--- a/FollowMe2.pptx
+++ b/FollowMe2.pptx
@@ -14,12 +14,13 @@
     <p:sldId id="261" r:id="rId8"/>
     <p:sldId id="263" r:id="rId9"/>
     <p:sldId id="264" r:id="rId10"/>
-    <p:sldId id="265" r:id="rId11"/>
-    <p:sldId id="266" r:id="rId12"/>
-    <p:sldId id="267" r:id="rId13"/>
-    <p:sldId id="268" r:id="rId14"/>
-    <p:sldId id="269" r:id="rId15"/>
-    <p:sldId id="270" r:id="rId16"/>
+    <p:sldId id="273" r:id="rId11"/>
+    <p:sldId id="265" r:id="rId12"/>
+    <p:sldId id="266" r:id="rId13"/>
+    <p:sldId id="274" r:id="rId14"/>
+    <p:sldId id="271" r:id="rId15"/>
+    <p:sldId id="272" r:id="rId16"/>
+    <p:sldId id="270" r:id="rId17"/>
   </p:sldIdLst>
   <p:sldSz cx="9144000" cy="6858000" type="screen4x3"/>
   <p:notesSz cx="6858000" cy="9144000"/>
@@ -779,7 +780,7 @@
           <a:p>
             <a:fld id="{530820CF-B880-4189-942D-D702A7CBA730}" type="datetimeFigureOut">
               <a:rPr lang="zh-CN" altLang="en-US" smtClean="0"/>
-              <a:t>2017/3/25</a:t>
+              <a:t>2017/3/26</a:t>
             </a:fld>
             <a:endParaRPr lang="zh-CN" altLang="en-US"/>
           </a:p>
@@ -962,7 +963,7 @@
           <a:p>
             <a:fld id="{530820CF-B880-4189-942D-D702A7CBA730}" type="datetimeFigureOut">
               <a:rPr lang="zh-CN" altLang="en-US" smtClean="0"/>
-              <a:t>2017/3/25</a:t>
+              <a:t>2017/3/26</a:t>
             </a:fld>
             <a:endParaRPr lang="zh-CN" altLang="en-US"/>
           </a:p>
@@ -1137,7 +1138,7 @@
           <a:p>
             <a:fld id="{530820CF-B880-4189-942D-D702A7CBA730}" type="datetimeFigureOut">
               <a:rPr lang="zh-CN" altLang="en-US" smtClean="0"/>
-              <a:t>2017/3/25</a:t>
+              <a:t>2017/3/26</a:t>
             </a:fld>
             <a:endParaRPr lang="zh-CN" altLang="en-US"/>
           </a:p>
@@ -1302,7 +1303,7 @@
           <a:p>
             <a:fld id="{530820CF-B880-4189-942D-D702A7CBA730}" type="datetimeFigureOut">
               <a:rPr lang="zh-CN" altLang="en-US" smtClean="0"/>
-              <a:t>2017/3/25</a:t>
+              <a:t>2017/3/26</a:t>
             </a:fld>
             <a:endParaRPr lang="zh-CN" altLang="en-US"/>
           </a:p>
@@ -1523,7 +1524,7 @@
           <a:p>
             <a:fld id="{530820CF-B880-4189-942D-D702A7CBA730}" type="datetimeFigureOut">
               <a:rPr lang="zh-CN" altLang="en-US" smtClean="0"/>
-              <a:t>2017/3/25</a:t>
+              <a:t>2017/3/26</a:t>
             </a:fld>
             <a:endParaRPr lang="zh-CN" altLang="en-US"/>
           </a:p>
@@ -1782,7 +1783,7 @@
           <a:p>
             <a:fld id="{530820CF-B880-4189-942D-D702A7CBA730}" type="datetimeFigureOut">
               <a:rPr lang="zh-CN" altLang="en-US" smtClean="0"/>
-              <a:t>2017/3/25</a:t>
+              <a:t>2017/3/26</a:t>
             </a:fld>
             <a:endParaRPr lang="zh-CN" altLang="en-US"/>
           </a:p>
@@ -2186,7 +2187,7 @@
           <a:p>
             <a:fld id="{530820CF-B880-4189-942D-D702A7CBA730}" type="datetimeFigureOut">
               <a:rPr lang="zh-CN" altLang="en-US" smtClean="0"/>
-              <a:t>2017/3/25</a:t>
+              <a:t>2017/3/26</a:t>
             </a:fld>
             <a:endParaRPr lang="zh-CN" altLang="en-US"/>
           </a:p>
@@ -2317,7 +2318,7 @@
           <a:p>
             <a:fld id="{530820CF-B880-4189-942D-D702A7CBA730}" type="datetimeFigureOut">
               <a:rPr lang="zh-CN" altLang="en-US" smtClean="0"/>
-              <a:t>2017/3/25</a:t>
+              <a:t>2017/3/26</a:t>
             </a:fld>
             <a:endParaRPr lang="zh-CN" altLang="en-US"/>
           </a:p>
@@ -2417,7 +2418,7 @@
           <a:p>
             <a:fld id="{530820CF-B880-4189-942D-D702A7CBA730}" type="datetimeFigureOut">
               <a:rPr lang="zh-CN" altLang="en-US" smtClean="0"/>
-              <a:t>2017/3/25</a:t>
+              <a:t>2017/3/26</a:t>
             </a:fld>
             <a:endParaRPr lang="zh-CN" altLang="en-US"/>
           </a:p>
@@ -2662,7 +2663,7 @@
           <a:p>
             <a:fld id="{530820CF-B880-4189-942D-D702A7CBA730}" type="datetimeFigureOut">
               <a:rPr lang="zh-CN" altLang="en-US" smtClean="0"/>
-              <a:t>2017/3/25</a:t>
+              <a:t>2017/3/26</a:t>
             </a:fld>
             <a:endParaRPr lang="zh-CN" altLang="en-US"/>
           </a:p>
@@ -2906,7 +2907,7 @@
           <a:p>
             <a:fld id="{530820CF-B880-4189-942D-D702A7CBA730}" type="datetimeFigureOut">
               <a:rPr lang="zh-CN" altLang="en-US" smtClean="0"/>
-              <a:t>2017/3/25</a:t>
+              <a:t>2017/3/26</a:t>
             </a:fld>
             <a:endParaRPr lang="zh-CN" altLang="en-US"/>
           </a:p>
@@ -3730,7 +3731,7 @@
           <a:p>
             <a:fld id="{530820CF-B880-4189-942D-D702A7CBA730}" type="datetimeFigureOut">
               <a:rPr lang="zh-CN" altLang="en-US" smtClean="0"/>
-              <a:t>2017/3/25</a:t>
+              <a:t>2017/3/26</a:t>
             </a:fld>
             <a:endParaRPr lang="zh-CN" altLang="en-US"/>
           </a:p>
@@ -4233,160 +4234,7 @@
           <a:p>
             <a:r>
               <a:rPr lang="en-US" altLang="zh-CN" dirty="0" smtClean="0"/>
-              <a:t>Agenda</a:t>
-            </a:r>
-            <a:endParaRPr lang="en-US" dirty="0"/>
-          </a:p>
-        </p:txBody>
-      </p:sp>
-      <p:sp>
-        <p:nvSpPr>
-          <p:cNvPr id="3" name="内容占位符 2"/>
-          <p:cNvSpPr>
-            <a:spLocks noGrp="1"/>
-          </p:cNvSpPr>
-          <p:nvPr>
-            <p:ph idx="1"/>
-          </p:nvPr>
-        </p:nvSpPr>
-        <p:spPr>
-          <a:xfrm>
-            <a:off x="1835696" y="1484784"/>
-            <a:ext cx="5338936" cy="3483832"/>
-          </a:xfrm>
-        </p:spPr>
-        <p:txBody>
-          <a:bodyPr/>
-          <a:lstStyle/>
-          <a:p>
-            <a:pPr>
-              <a:lnSpc>
-                <a:spcPct val="150000"/>
-              </a:lnSpc>
-            </a:pPr>
-            <a:r>
-              <a:rPr lang="en-US" dirty="0">
-                <a:solidFill>
-                  <a:schemeClr val="tx2">
-                    <a:lumMod val="40000"/>
-                    <a:lumOff val="60000"/>
-                  </a:schemeClr>
-                </a:solidFill>
-              </a:rPr>
-              <a:t>Design</a:t>
-            </a:r>
-          </a:p>
-          <a:p>
-            <a:pPr>
-              <a:lnSpc>
-                <a:spcPct val="150000"/>
-              </a:lnSpc>
-            </a:pPr>
-            <a:r>
-              <a:rPr lang="en-US" dirty="0">
-                <a:solidFill>
-                  <a:schemeClr val="tx2">
-                    <a:lumMod val="40000"/>
-                    <a:lumOff val="60000"/>
-                  </a:schemeClr>
-                </a:solidFill>
-              </a:rPr>
               <a:t>Security Properties</a:t>
-            </a:r>
-          </a:p>
-          <a:p>
-            <a:pPr>
-              <a:lnSpc>
-                <a:spcPct val="150000"/>
-              </a:lnSpc>
-            </a:pPr>
-            <a:r>
-              <a:rPr lang="en-US" dirty="0"/>
-              <a:t>Implementation</a:t>
-            </a:r>
-          </a:p>
-          <a:p>
-            <a:pPr>
-              <a:lnSpc>
-                <a:spcPct val="150000"/>
-              </a:lnSpc>
-            </a:pPr>
-            <a:r>
-              <a:rPr lang="en-US" dirty="0">
-                <a:solidFill>
-                  <a:schemeClr val="tx2">
-                    <a:lumMod val="40000"/>
-                    <a:lumOff val="60000"/>
-                  </a:schemeClr>
-                </a:solidFill>
-              </a:rPr>
-              <a:t>Problem</a:t>
-            </a:r>
-          </a:p>
-        </p:txBody>
-      </p:sp>
-    </p:spTree>
-    <p:extLst>
-      <p:ext uri="{BB962C8B-B14F-4D97-AF65-F5344CB8AC3E}">
-        <p14:creationId xmlns:p14="http://schemas.microsoft.com/office/powerpoint/2010/main" val="1320094670"/>
-      </p:ext>
-    </p:extLst>
-  </p:cSld>
-  <p:clrMapOvr>
-    <a:masterClrMapping/>
-  </p:clrMapOvr>
-  <p:timing>
-    <p:tnLst>
-      <p:par>
-        <p:cTn id="1" dur="indefinite" restart="never" nodeType="tmRoot"/>
-      </p:par>
-    </p:tnLst>
-  </p:timing>
-</p:sld>
-</file>
-
-<file path=ppt/slides/slide11.xml><?xml version="1.0" encoding="utf-8"?>
-<p:sld xmlns:a="http://schemas.openxmlformats.org/drawingml/2006/main" xmlns:r="http://schemas.openxmlformats.org/officeDocument/2006/relationships" xmlns:p="http://schemas.openxmlformats.org/presentationml/2006/main">
-  <p:cSld>
-    <p:spTree>
-      <p:nvGrpSpPr>
-        <p:cNvPr id="1" name=""/>
-        <p:cNvGrpSpPr/>
-        <p:nvPr/>
-      </p:nvGrpSpPr>
-      <p:grpSpPr>
-        <a:xfrm>
-          <a:off x="0" y="0"/>
-          <a:ext cx="0" cy="0"/>
-          <a:chOff x="0" y="0"/>
-          <a:chExt cx="0" cy="0"/>
-        </a:xfrm>
-      </p:grpSpPr>
-      <p:sp>
-        <p:nvSpPr>
-          <p:cNvPr id="2" name="标题 1"/>
-          <p:cNvSpPr>
-            <a:spLocks noGrp="1"/>
-          </p:cNvSpPr>
-          <p:nvPr>
-            <p:ph type="title"/>
-          </p:nvPr>
-        </p:nvSpPr>
-        <p:spPr>
-          <a:xfrm>
-            <a:off x="179512" y="188640"/>
-            <a:ext cx="8229600" cy="1066800"/>
-          </a:xfrm>
-        </p:spPr>
-        <p:txBody>
-          <a:bodyPr>
-            <a:normAutofit/>
-          </a:bodyPr>
-          <a:lstStyle/>
-          <a:p>
-            <a:r>
-              <a:rPr lang="en-US" altLang="zh-CN" dirty="0" smtClean="0"/>
-              <a:t>Implementation</a:t>
             </a:r>
             <a:endParaRPr lang="en-US" dirty="0"/>
           </a:p>
@@ -4409,9 +4257,7 @@
           </a:xfrm>
         </p:spPr>
         <p:txBody>
-          <a:bodyPr>
-            <a:normAutofit/>
-          </a:bodyPr>
+          <a:bodyPr/>
           <a:lstStyle/>
           <a:p>
             <a:pPr>
@@ -4421,7 +4267,7 @@
             </a:pPr>
             <a:r>
               <a:rPr lang="en-US" dirty="0" smtClean="0"/>
-              <a:t>Google Map API V2</a:t>
+              <a:t>Tor Network</a:t>
             </a:r>
           </a:p>
           <a:p>
@@ -4432,720 +4278,54 @@
             </a:pPr>
             <a:r>
               <a:rPr lang="en-US" dirty="0" smtClean="0"/>
-              <a:t>Zero configuration</a:t>
-            </a:r>
-          </a:p>
-          <a:p>
-            <a:pPr lvl="1">
-              <a:lnSpc>
-                <a:spcPct val="150000"/>
-              </a:lnSpc>
-            </a:pPr>
+              <a:t>“</a:t>
+            </a:r>
+            <a:r>
+              <a:rPr lang="en-US" dirty="0"/>
+              <a:t>The Onion Router</a:t>
+            </a:r>
             <a:r>
               <a:rPr lang="en-US" dirty="0" smtClean="0"/>
-              <a:t>One-click operation</a:t>
-            </a:r>
-          </a:p>
-          <a:p>
-            <a:pPr lvl="1">
-              <a:lnSpc>
-                <a:spcPct val="150000"/>
-              </a:lnSpc>
-            </a:pPr>
-            <a:r>
-              <a:rPr lang="en-US" dirty="0" smtClean="0"/>
-              <a:t>Target trace</a:t>
-            </a:r>
-          </a:p>
-          <a:p>
-            <a:pPr lvl="1">
-              <a:lnSpc>
-                <a:spcPct val="150000"/>
-              </a:lnSpc>
-            </a:pPr>
-            <a:r>
-              <a:rPr lang="en-US" dirty="0" smtClean="0"/>
-              <a:t>Online/offline notify</a:t>
-            </a:r>
-          </a:p>
-          <a:p>
-            <a:pPr>
-              <a:lnSpc>
-                <a:spcPct val="150000"/>
-              </a:lnSpc>
-            </a:pPr>
-            <a:endParaRPr lang="en-US" dirty="0"/>
-          </a:p>
-        </p:txBody>
-      </p:sp>
-    </p:spTree>
-    <p:extLst>
-      <p:ext uri="{BB962C8B-B14F-4D97-AF65-F5344CB8AC3E}">
-        <p14:creationId xmlns:p14="http://schemas.microsoft.com/office/powerpoint/2010/main" val="3694270427"/>
-      </p:ext>
-    </p:extLst>
-  </p:cSld>
-  <p:clrMapOvr>
-    <a:masterClrMapping/>
-  </p:clrMapOvr>
-  <p:timing>
-    <p:tnLst>
-      <p:par>
-        <p:cTn id="1" dur="indefinite" restart="never" nodeType="tmRoot"/>
-      </p:par>
-    </p:tnLst>
-  </p:timing>
-</p:sld>
-</file>
-
-<file path=ppt/slides/slide12.xml><?xml version="1.0" encoding="utf-8"?>
-<p:sld xmlns:a="http://schemas.openxmlformats.org/drawingml/2006/main" xmlns:r="http://schemas.openxmlformats.org/officeDocument/2006/relationships" xmlns:p="http://schemas.openxmlformats.org/presentationml/2006/main">
-  <p:cSld>
-    <p:spTree>
-      <p:nvGrpSpPr>
-        <p:cNvPr id="1" name=""/>
-        <p:cNvGrpSpPr/>
-        <p:nvPr/>
-      </p:nvGrpSpPr>
-      <p:grpSpPr>
-        <a:xfrm>
-          <a:off x="0" y="0"/>
-          <a:ext cx="0" cy="0"/>
-          <a:chOff x="0" y="0"/>
-          <a:chExt cx="0" cy="0"/>
-        </a:xfrm>
-      </p:grpSpPr>
-      <p:sp>
-        <p:nvSpPr>
-          <p:cNvPr id="2" name="标题 1"/>
-          <p:cNvSpPr>
-            <a:spLocks noGrp="1"/>
-          </p:cNvSpPr>
-          <p:nvPr>
-            <p:ph type="title"/>
-          </p:nvPr>
-        </p:nvSpPr>
-        <p:spPr>
-          <a:xfrm>
-            <a:off x="179512" y="188640"/>
-            <a:ext cx="8229600" cy="1066800"/>
-          </a:xfrm>
-        </p:spPr>
-        <p:txBody>
-          <a:bodyPr>
-            <a:normAutofit/>
-          </a:bodyPr>
-          <a:lstStyle/>
-          <a:p>
-            <a:r>
-              <a:rPr lang="en-US" altLang="zh-CN" dirty="0" smtClean="0"/>
-              <a:t>Agenda</a:t>
-            </a:r>
-            <a:endParaRPr lang="en-US" dirty="0"/>
-          </a:p>
-        </p:txBody>
-      </p:sp>
-      <p:sp>
-        <p:nvSpPr>
-          <p:cNvPr id="3" name="内容占位符 2"/>
-          <p:cNvSpPr>
-            <a:spLocks noGrp="1"/>
-          </p:cNvSpPr>
-          <p:nvPr>
-            <p:ph idx="1"/>
-          </p:nvPr>
-        </p:nvSpPr>
-        <p:spPr>
-          <a:xfrm>
-            <a:off x="1835696" y="1484784"/>
-            <a:ext cx="5338936" cy="3483832"/>
-          </a:xfrm>
-        </p:spPr>
-        <p:txBody>
-          <a:bodyPr/>
-          <a:lstStyle/>
-          <a:p>
-            <a:pPr>
-              <a:lnSpc>
-                <a:spcPct val="150000"/>
-              </a:lnSpc>
-            </a:pPr>
-            <a:r>
-              <a:rPr lang="en-US" dirty="0">
-                <a:solidFill>
-                  <a:schemeClr val="tx2">
-                    <a:lumMod val="40000"/>
-                    <a:lumOff val="60000"/>
-                  </a:schemeClr>
-                </a:solidFill>
-              </a:rPr>
-              <a:t>Design</a:t>
-            </a:r>
-          </a:p>
-          <a:p>
-            <a:pPr>
-              <a:lnSpc>
-                <a:spcPct val="150000"/>
-              </a:lnSpc>
-            </a:pPr>
-            <a:r>
-              <a:rPr lang="en-US" dirty="0">
-                <a:solidFill>
-                  <a:schemeClr val="tx2">
-                    <a:lumMod val="40000"/>
-                    <a:lumOff val="60000"/>
-                  </a:schemeClr>
-                </a:solidFill>
-              </a:rPr>
-              <a:t>Security Properties</a:t>
-            </a:r>
-          </a:p>
-          <a:p>
-            <a:pPr>
-              <a:lnSpc>
-                <a:spcPct val="150000"/>
-              </a:lnSpc>
-            </a:pPr>
-            <a:r>
-              <a:rPr lang="en-US" dirty="0">
-                <a:solidFill>
-                  <a:schemeClr val="tx2">
-                    <a:lumMod val="40000"/>
-                    <a:lumOff val="60000"/>
-                  </a:schemeClr>
-                </a:solidFill>
-              </a:rPr>
-              <a:t>Implementation</a:t>
-            </a:r>
-          </a:p>
-          <a:p>
-            <a:pPr>
-              <a:lnSpc>
-                <a:spcPct val="150000"/>
-              </a:lnSpc>
-            </a:pPr>
-            <a:r>
-              <a:rPr lang="en-US" dirty="0"/>
-              <a:t>Problem</a:t>
-            </a:r>
-          </a:p>
-        </p:txBody>
-      </p:sp>
-    </p:spTree>
-    <p:extLst>
-      <p:ext uri="{BB962C8B-B14F-4D97-AF65-F5344CB8AC3E}">
-        <p14:creationId xmlns:p14="http://schemas.microsoft.com/office/powerpoint/2010/main" val="2611331498"/>
-      </p:ext>
-    </p:extLst>
-  </p:cSld>
-  <p:clrMapOvr>
-    <a:masterClrMapping/>
-  </p:clrMapOvr>
-  <p:timing>
-    <p:tnLst>
-      <p:par>
-        <p:cTn id="1" dur="indefinite" restart="never" nodeType="tmRoot"/>
-      </p:par>
-    </p:tnLst>
-  </p:timing>
-</p:sld>
-</file>
-
-<file path=ppt/slides/slide13.xml><?xml version="1.0" encoding="utf-8"?>
-<p:sld xmlns:a="http://schemas.openxmlformats.org/drawingml/2006/main" xmlns:r="http://schemas.openxmlformats.org/officeDocument/2006/relationships" xmlns:p="http://schemas.openxmlformats.org/presentationml/2006/main">
-  <p:cSld>
-    <p:spTree>
-      <p:nvGrpSpPr>
-        <p:cNvPr id="1" name=""/>
-        <p:cNvGrpSpPr/>
-        <p:nvPr/>
-      </p:nvGrpSpPr>
-      <p:grpSpPr>
-        <a:xfrm>
-          <a:off x="0" y="0"/>
-          <a:ext cx="0" cy="0"/>
-          <a:chOff x="0" y="0"/>
-          <a:chExt cx="0" cy="0"/>
-        </a:xfrm>
-      </p:grpSpPr>
-      <p:sp>
-        <p:nvSpPr>
-          <p:cNvPr id="2" name="标题 1"/>
-          <p:cNvSpPr>
-            <a:spLocks noGrp="1"/>
-          </p:cNvSpPr>
-          <p:nvPr>
-            <p:ph type="title"/>
-          </p:nvPr>
-        </p:nvSpPr>
-        <p:spPr>
-          <a:xfrm>
-            <a:off x="179512" y="188640"/>
-            <a:ext cx="8229600" cy="1066800"/>
-          </a:xfrm>
-        </p:spPr>
-        <p:txBody>
-          <a:bodyPr>
-            <a:normAutofit/>
-          </a:bodyPr>
-          <a:lstStyle/>
-          <a:p>
-            <a:r>
-              <a:rPr lang="en-US" altLang="zh-CN" dirty="0" smtClean="0"/>
-              <a:t>Problem</a:t>
-            </a:r>
-            <a:endParaRPr lang="en-US" dirty="0"/>
-          </a:p>
-        </p:txBody>
-      </p:sp>
-      <p:sp>
-        <p:nvSpPr>
-          <p:cNvPr id="5" name="内容占位符 4"/>
-          <p:cNvSpPr>
-            <a:spLocks noGrp="1"/>
-          </p:cNvSpPr>
-          <p:nvPr>
-            <p:ph idx="1"/>
-          </p:nvPr>
-        </p:nvSpPr>
-        <p:spPr>
-          <a:xfrm>
-            <a:off x="395536" y="1412776"/>
-            <a:ext cx="8373616" cy="4325112"/>
-          </a:xfrm>
-        </p:spPr>
-        <p:txBody>
-          <a:bodyPr>
-            <a:normAutofit/>
-          </a:bodyPr>
-          <a:lstStyle/>
-          <a:p>
-            <a:pPr>
-              <a:lnSpc>
-                <a:spcPct val="150000"/>
-              </a:lnSpc>
-            </a:pPr>
-            <a:r>
-              <a:rPr lang="en-US" dirty="0" smtClean="0"/>
-              <a:t>Tor Network</a:t>
-            </a:r>
-          </a:p>
-          <a:p>
-            <a:pPr lvl="1">
-              <a:lnSpc>
-                <a:spcPct val="150000"/>
-              </a:lnSpc>
-            </a:pPr>
-            <a:r>
-              <a:rPr lang="en-US" dirty="0" smtClean="0"/>
-              <a:t>Tor Network for anonymous HTTP/HTTPS</a:t>
-            </a:r>
-          </a:p>
-          <a:p>
-            <a:pPr lvl="1">
-              <a:lnSpc>
-                <a:spcPct val="150000"/>
-              </a:lnSpc>
-            </a:pPr>
-            <a:r>
-              <a:rPr lang="en-US" dirty="0" smtClean="0"/>
-              <a:t>Orchid Tor client for SDK version &lt;= 22</a:t>
-            </a:r>
-          </a:p>
-          <a:p>
-            <a:pPr lvl="1">
-              <a:lnSpc>
-                <a:spcPct val="150000"/>
-              </a:lnSpc>
-            </a:pPr>
-            <a:endParaRPr lang="en-US" dirty="0" smtClean="0"/>
-          </a:p>
-          <a:p>
-            <a:pPr>
-              <a:lnSpc>
-                <a:spcPct val="150000"/>
-              </a:lnSpc>
-            </a:pPr>
+              <a:t>”</a:t>
+            </a:r>
             <a:endParaRPr lang="en-US" dirty="0"/>
           </a:p>
         </p:txBody>
       </p:sp>
       <p:pic>
         <p:nvPicPr>
-          <p:cNvPr id="5126" name="Picture 6" descr="https://upload.wikimedia.org/wikipedia/commons/8/8f/Tor_project_logo_hq.png"/>
+          <p:cNvPr id="3" name="图片 2"/>
           <p:cNvPicPr>
-            <a:picLocks noChangeAspect="1" noChangeArrowheads="1"/>
+            <a:picLocks noChangeAspect="1"/>
           </p:cNvPicPr>
           <p:nvPr/>
         </p:nvPicPr>
         <p:blipFill>
-          <a:blip r:embed="rId2" cstate="print">
+          <a:blip r:embed="rId2">
             <a:extLst>
               <a:ext uri="{28A0092B-C50C-407E-A947-70E740481C1C}">
                 <a14:useLocalDpi xmlns:a14="http://schemas.microsoft.com/office/drawing/2010/main" val="0"/>
               </a:ext>
             </a:extLst>
           </a:blip>
-          <a:srcRect/>
           <a:stretch>
             <a:fillRect/>
           </a:stretch>
         </p:blipFill>
-        <p:spPr bwMode="auto">
+        <p:spPr>
           <a:xfrm>
-            <a:off x="6012160" y="404664"/>
-            <a:ext cx="2838023" cy="1800209"/>
+            <a:off x="1547664" y="2636896"/>
+            <a:ext cx="6624228" cy="4027531"/>
           </a:xfrm>
           <a:prstGeom prst="rect">
             <a:avLst/>
           </a:prstGeom>
-          <a:noFill/>
-          <a:extLst>
-            <a:ext uri="{909E8E84-426E-40DD-AFC4-6F175D3DCCD1}">
-              <a14:hiddenFill xmlns:a14="http://schemas.microsoft.com/office/drawing/2010/main">
-                <a:solidFill>
-                  <a:srgbClr val="FFFFFF"/>
-                </a:solidFill>
-              </a14:hiddenFill>
-            </a:ext>
-          </a:extLst>
-        </p:spPr>
-      </p:pic>
-      <p:pic>
-        <p:nvPicPr>
-          <p:cNvPr id="5127" name="Picture 7"/>
-          <p:cNvPicPr>
-            <a:picLocks noChangeAspect="1" noChangeArrowheads="1"/>
-          </p:cNvPicPr>
-          <p:nvPr/>
-        </p:nvPicPr>
-        <p:blipFill>
-          <a:blip r:embed="rId3">
-            <a:extLst>
-              <a:ext uri="{28A0092B-C50C-407E-A947-70E740481C1C}">
-                <a14:useLocalDpi xmlns:a14="http://schemas.microsoft.com/office/drawing/2010/main" val="0"/>
-              </a:ext>
-            </a:extLst>
-          </a:blip>
-          <a:srcRect/>
-          <a:stretch>
-            <a:fillRect/>
-          </a:stretch>
-        </p:blipFill>
-        <p:spPr bwMode="auto">
-          <a:xfrm>
-            <a:off x="2614636" y="3356992"/>
-            <a:ext cx="3857625" cy="3019425"/>
-          </a:xfrm>
-          <a:prstGeom prst="rect">
-            <a:avLst/>
-          </a:prstGeom>
-          <a:noFill/>
-          <a:ln>
-            <a:noFill/>
-          </a:ln>
-          <a:extLst>
-            <a:ext uri="{909E8E84-426E-40DD-AFC4-6F175D3DCCD1}">
-              <a14:hiddenFill xmlns:a14="http://schemas.microsoft.com/office/drawing/2010/main">
-                <a:solidFill>
-                  <a:schemeClr val="accent1"/>
-                </a:solidFill>
-              </a14:hiddenFill>
-            </a:ext>
-            <a:ext uri="{91240B29-F687-4F45-9708-019B960494DF}">
-              <a14:hiddenLine xmlns:a14="http://schemas.microsoft.com/office/drawing/2010/main" w="9525">
-                <a:solidFill>
-                  <a:schemeClr val="tx1"/>
-                </a:solidFill>
-                <a:miter lim="800000"/>
-                <a:headEnd/>
-                <a:tailEnd/>
-              </a14:hiddenLine>
-            </a:ext>
-          </a:extLst>
         </p:spPr>
       </p:pic>
     </p:spTree>
     <p:extLst>
       <p:ext uri="{BB962C8B-B14F-4D97-AF65-F5344CB8AC3E}">
-        <p14:creationId xmlns:p14="http://schemas.microsoft.com/office/powerpoint/2010/main" val="3131633339"/>
-      </p:ext>
-    </p:extLst>
-  </p:cSld>
-  <p:clrMapOvr>
-    <a:masterClrMapping/>
-  </p:clrMapOvr>
-  <p:timing>
-    <p:tnLst>
-      <p:par>
-        <p:cTn id="1" dur="indefinite" restart="never" nodeType="tmRoot"/>
-      </p:par>
-    </p:tnLst>
-  </p:timing>
-</p:sld>
-</file>
-
-<file path=ppt/slides/slide14.xml><?xml version="1.0" encoding="utf-8"?>
-<p:sld xmlns:a="http://schemas.openxmlformats.org/drawingml/2006/main" xmlns:r="http://schemas.openxmlformats.org/officeDocument/2006/relationships" xmlns:p="http://schemas.openxmlformats.org/presentationml/2006/main">
-  <p:cSld>
-    <p:spTree>
-      <p:nvGrpSpPr>
-        <p:cNvPr id="1" name=""/>
-        <p:cNvGrpSpPr/>
-        <p:nvPr/>
-      </p:nvGrpSpPr>
-      <p:grpSpPr>
-        <a:xfrm>
-          <a:off x="0" y="0"/>
-          <a:ext cx="0" cy="0"/>
-          <a:chOff x="0" y="0"/>
-          <a:chExt cx="0" cy="0"/>
-        </a:xfrm>
-      </p:grpSpPr>
-      <p:sp>
-        <p:nvSpPr>
-          <p:cNvPr id="2" name="标题 1"/>
-          <p:cNvSpPr>
-            <a:spLocks noGrp="1"/>
-          </p:cNvSpPr>
-          <p:nvPr>
-            <p:ph type="title"/>
-          </p:nvPr>
-        </p:nvSpPr>
-        <p:spPr>
-          <a:xfrm>
-            <a:off x="179512" y="188640"/>
-            <a:ext cx="8229600" cy="1066800"/>
-          </a:xfrm>
-        </p:spPr>
-        <p:txBody>
-          <a:bodyPr>
-            <a:normAutofit/>
-          </a:bodyPr>
-          <a:lstStyle/>
-          <a:p>
-            <a:r>
-              <a:rPr lang="en-US" altLang="zh-CN" dirty="0" smtClean="0"/>
-              <a:t>Problem</a:t>
-            </a:r>
-            <a:endParaRPr lang="en-US" dirty="0"/>
-          </a:p>
-        </p:txBody>
-      </p:sp>
-      <p:sp>
-        <p:nvSpPr>
-          <p:cNvPr id="5" name="内容占位符 4"/>
-          <p:cNvSpPr>
-            <a:spLocks noGrp="1"/>
-          </p:cNvSpPr>
-          <p:nvPr>
-            <p:ph idx="1"/>
-          </p:nvPr>
-        </p:nvSpPr>
-        <p:spPr>
-          <a:xfrm>
-            <a:off x="395536" y="1412776"/>
-            <a:ext cx="8373616" cy="4325112"/>
-          </a:xfrm>
-        </p:spPr>
-        <p:txBody>
-          <a:bodyPr>
-            <a:normAutofit/>
-          </a:bodyPr>
-          <a:lstStyle/>
-          <a:p>
-            <a:pPr>
-              <a:lnSpc>
-                <a:spcPct val="150000"/>
-              </a:lnSpc>
-            </a:pPr>
-            <a:r>
-              <a:rPr lang="en-US" dirty="0" smtClean="0"/>
-              <a:t>Tor is too old?</a:t>
-            </a:r>
-          </a:p>
-          <a:p>
-            <a:pPr lvl="1">
-              <a:lnSpc>
-                <a:spcPct val="150000"/>
-              </a:lnSpc>
-            </a:pPr>
-            <a:r>
-              <a:rPr lang="en-US" dirty="0" smtClean="0"/>
-              <a:t>Cipher suites required by Tor are unsupported by Android SDK Version &gt; 22 (Android 6 or higher)</a:t>
-            </a:r>
-          </a:p>
-          <a:p>
-            <a:pPr lvl="1">
-              <a:lnSpc>
-                <a:spcPct val="150000"/>
-              </a:lnSpc>
-            </a:pPr>
-            <a:endParaRPr lang="en-US" dirty="0" smtClean="0"/>
-          </a:p>
-          <a:p>
-            <a:pPr>
-              <a:lnSpc>
-                <a:spcPct val="150000"/>
-              </a:lnSpc>
-            </a:pPr>
-            <a:endParaRPr lang="en-US" dirty="0"/>
-          </a:p>
-        </p:txBody>
-      </p:sp>
-      <p:pic>
-        <p:nvPicPr>
-          <p:cNvPr id="5126" name="Picture 6" descr="https://upload.wikimedia.org/wikipedia/commons/8/8f/Tor_project_logo_hq.png"/>
-          <p:cNvPicPr>
-            <a:picLocks noChangeAspect="1" noChangeArrowheads="1"/>
-          </p:cNvPicPr>
-          <p:nvPr/>
-        </p:nvPicPr>
-        <p:blipFill>
-          <a:blip r:embed="rId2" cstate="print">
-            <a:extLst>
-              <a:ext uri="{28A0092B-C50C-407E-A947-70E740481C1C}">
-                <a14:useLocalDpi xmlns:a14="http://schemas.microsoft.com/office/drawing/2010/main" val="0"/>
-              </a:ext>
-            </a:extLst>
-          </a:blip>
-          <a:srcRect/>
-          <a:stretch>
-            <a:fillRect/>
-          </a:stretch>
-        </p:blipFill>
-        <p:spPr bwMode="auto">
-          <a:xfrm>
-            <a:off x="6012160" y="404664"/>
-            <a:ext cx="2838023" cy="1800209"/>
-          </a:xfrm>
-          <a:prstGeom prst="rect">
-            <a:avLst/>
-          </a:prstGeom>
-          <a:noFill/>
-          <a:extLst>
-            <a:ext uri="{909E8E84-426E-40DD-AFC4-6F175D3DCCD1}">
-              <a14:hiddenFill xmlns:a14="http://schemas.microsoft.com/office/drawing/2010/main">
-                <a:solidFill>
-                  <a:srgbClr val="FFFFFF"/>
-                </a:solidFill>
-              </a14:hiddenFill>
-            </a:ext>
-          </a:extLst>
-        </p:spPr>
-      </p:pic>
-      <p:pic>
-        <p:nvPicPr>
-          <p:cNvPr id="10242" name="Picture 2"/>
-          <p:cNvPicPr>
-            <a:picLocks noChangeAspect="1" noChangeArrowheads="1"/>
-          </p:cNvPicPr>
-          <p:nvPr/>
-        </p:nvPicPr>
-        <p:blipFill>
-          <a:blip r:embed="rId3">
-            <a:extLst>
-              <a:ext uri="{28A0092B-C50C-407E-A947-70E740481C1C}">
-                <a14:useLocalDpi xmlns:a14="http://schemas.microsoft.com/office/drawing/2010/main" val="0"/>
-              </a:ext>
-            </a:extLst>
-          </a:blip>
-          <a:srcRect/>
-          <a:stretch>
-            <a:fillRect/>
-          </a:stretch>
-        </p:blipFill>
-        <p:spPr bwMode="auto">
-          <a:xfrm>
-            <a:off x="1447426" y="3425568"/>
-            <a:ext cx="6210300" cy="1549400"/>
-          </a:xfrm>
-          <a:prstGeom prst="rect">
-            <a:avLst/>
-          </a:prstGeom>
-          <a:noFill/>
-          <a:ln>
-            <a:noFill/>
-          </a:ln>
-          <a:extLst>
-            <a:ext uri="{909E8E84-426E-40DD-AFC4-6F175D3DCCD1}">
-              <a14:hiddenFill xmlns:a14="http://schemas.microsoft.com/office/drawing/2010/main">
-                <a:solidFill>
-                  <a:schemeClr val="accent1"/>
-                </a:solidFill>
-              </a14:hiddenFill>
-            </a:ext>
-            <a:ext uri="{91240B29-F687-4F45-9708-019B960494DF}">
-              <a14:hiddenLine xmlns:a14="http://schemas.microsoft.com/office/drawing/2010/main" w="9525">
-                <a:solidFill>
-                  <a:schemeClr val="tx1"/>
-                </a:solidFill>
-                <a:miter lim="800000"/>
-                <a:headEnd/>
-                <a:tailEnd/>
-              </a14:hiddenLine>
-            </a:ext>
-          </a:extLst>
-        </p:spPr>
-      </p:pic>
-      <p:pic>
-        <p:nvPicPr>
-          <p:cNvPr id="10243" name="Picture 3"/>
-          <p:cNvPicPr>
-            <a:picLocks noChangeAspect="1" noChangeArrowheads="1"/>
-          </p:cNvPicPr>
-          <p:nvPr/>
-        </p:nvPicPr>
-        <p:blipFill>
-          <a:blip r:embed="rId4">
-            <a:extLst>
-              <a:ext uri="{28A0092B-C50C-407E-A947-70E740481C1C}">
-                <a14:useLocalDpi xmlns:a14="http://schemas.microsoft.com/office/drawing/2010/main" val="0"/>
-              </a:ext>
-            </a:extLst>
-          </a:blip>
-          <a:srcRect/>
-          <a:stretch>
-            <a:fillRect/>
-          </a:stretch>
-        </p:blipFill>
-        <p:spPr bwMode="auto">
-          <a:xfrm>
-            <a:off x="394913" y="1916832"/>
-            <a:ext cx="8315325" cy="3467100"/>
-          </a:xfrm>
-          <a:prstGeom prst="rect">
-            <a:avLst/>
-          </a:prstGeom>
-          <a:noFill/>
-          <a:ln>
-            <a:noFill/>
-          </a:ln>
-          <a:extLst>
-            <a:ext uri="{909E8E84-426E-40DD-AFC4-6F175D3DCCD1}">
-              <a14:hiddenFill xmlns:a14="http://schemas.microsoft.com/office/drawing/2010/main">
-                <a:solidFill>
-                  <a:schemeClr val="accent1"/>
-                </a:solidFill>
-              </a14:hiddenFill>
-            </a:ext>
-            <a:ext uri="{91240B29-F687-4F45-9708-019B960494DF}">
-              <a14:hiddenLine xmlns:a14="http://schemas.microsoft.com/office/drawing/2010/main" w="9525">
-                <a:solidFill>
-                  <a:schemeClr val="tx1"/>
-                </a:solidFill>
-                <a:miter lim="800000"/>
-                <a:headEnd/>
-                <a:tailEnd/>
-              </a14:hiddenLine>
-            </a:ext>
-          </a:extLst>
-        </p:spPr>
-      </p:pic>
-    </p:spTree>
-    <p:extLst>
-      <p:ext uri="{BB962C8B-B14F-4D97-AF65-F5344CB8AC3E}">
-        <p14:creationId xmlns:p14="http://schemas.microsoft.com/office/powerpoint/2010/main" val="1768067851"/>
+        <p14:creationId xmlns:p14="http://schemas.microsoft.com/office/powerpoint/2010/main" val="362435624"/>
       </p:ext>
     </p:extLst>
   </p:cSld>
@@ -5186,7 +4366,11 @@
                                           </p:stCondLst>
                                         </p:cTn>
                                         <p:tgtEl>
-                                          <p:spTgt spid="10243"/>
+                                          <p:spTgt spid="5">
+                                            <p:txEl>
+                                              <p:pRg st="0" end="0"/>
+                                            </p:txEl>
+                                          </p:spTgt>
                                         </p:tgtEl>
                                         <p:attrNameLst>
                                           <p:attrName>style.visibility</p:attrName>
@@ -5200,7 +4384,11 @@
                                       <p:cBhvr additive="base">
                                         <p:cTn id="7" dur="500" fill="hold"/>
                                         <p:tgtEl>
-                                          <p:spTgt spid="10243"/>
+                                          <p:spTgt spid="5">
+                                            <p:txEl>
+                                              <p:pRg st="0" end="0"/>
+                                            </p:txEl>
+                                          </p:spTgt>
                                         </p:tgtEl>
                                         <p:attrNameLst>
                                           <p:attrName>ppt_x</p:attrName>
@@ -5223,7 +4411,114 @@
                                       <p:cBhvr additive="base">
                                         <p:cTn id="8" dur="500" fill="hold"/>
                                         <p:tgtEl>
-                                          <p:spTgt spid="10243"/>
+                                          <p:spTgt spid="5">
+                                            <p:txEl>
+                                              <p:pRg st="0" end="0"/>
+                                            </p:txEl>
+                                          </p:spTgt>
+                                        </p:tgtEl>
+                                        <p:attrNameLst>
+                                          <p:attrName>ppt_y</p:attrName>
+                                        </p:attrNameLst>
+                                      </p:cBhvr>
+                                      <p:tavLst>
+                                        <p:tav tm="0">
+                                          <p:val>
+                                            <p:strVal val="1+#ppt_h/2"/>
+                                          </p:val>
+                                        </p:tav>
+                                        <p:tav tm="100000">
+                                          <p:val>
+                                            <p:strVal val="#ppt_y"/>
+                                          </p:val>
+                                        </p:tav>
+                                      </p:tavLst>
+                                    </p:anim>
+                                  </p:childTnLst>
+                                </p:cTn>
+                              </p:par>
+                            </p:childTnLst>
+                          </p:cTn>
+                        </p:par>
+                      </p:childTnLst>
+                    </p:cTn>
+                  </p:par>
+                  <p:par>
+                    <p:cTn id="9" fill="hold">
+                      <p:stCondLst>
+                        <p:cond delay="indefinite"/>
+                      </p:stCondLst>
+                      <p:childTnLst>
+                        <p:par>
+                          <p:cTn id="10" fill="hold">
+                            <p:stCondLst>
+                              <p:cond delay="0"/>
+                            </p:stCondLst>
+                            <p:childTnLst>
+                              <p:par>
+                                <p:cTn id="11" presetID="2" presetClass="entr" presetSubtype="4" fill="hold" nodeType="clickEffect">
+                                  <p:stCondLst>
+                                    <p:cond delay="0"/>
+                                  </p:stCondLst>
+                                  <p:childTnLst>
+                                    <p:set>
+                                      <p:cBhvr>
+                                        <p:cTn id="12" dur="1" fill="hold">
+                                          <p:stCondLst>
+                                            <p:cond delay="0"/>
+                                          </p:stCondLst>
+                                        </p:cTn>
+                                        <p:tgtEl>
+                                          <p:spTgt spid="5">
+                                            <p:txEl>
+                                              <p:pRg st="1" end="1"/>
+                                            </p:txEl>
+                                          </p:spTgt>
+                                        </p:tgtEl>
+                                        <p:attrNameLst>
+                                          <p:attrName>style.visibility</p:attrName>
+                                        </p:attrNameLst>
+                                      </p:cBhvr>
+                                      <p:to>
+                                        <p:strVal val="visible"/>
+                                      </p:to>
+                                    </p:set>
+                                    <p:anim calcmode="lin" valueType="num">
+                                      <p:cBhvr additive="base">
+                                        <p:cTn id="13" dur="500" fill="hold"/>
+                                        <p:tgtEl>
+                                          <p:spTgt spid="5">
+                                            <p:txEl>
+                                              <p:pRg st="1" end="1"/>
+                                            </p:txEl>
+                                          </p:spTgt>
+                                        </p:tgtEl>
+                                        <p:attrNameLst>
+                                          <p:attrName>ppt_x</p:attrName>
+                                        </p:attrNameLst>
+                                      </p:cBhvr>
+                                      <p:tavLst>
+                                        <p:tav tm="0">
+                                          <p:val>
+                                            <p:strVal val="#ppt_x"/>
+                                          </p:val>
+                                        </p:tav>
+                                        <p:tav tm="100000">
+                                          <p:val>
+                                            <p:strVal val="#ppt_x"/>
+                                          </p:val>
+                                        </p:tav>
+                                      </p:tavLst>
+                                    </p:anim>
+                                    <p:anim calcmode="lin" valueType="num">
+                                      <p:cBhvr additive="base">
+                                        <p:cTn id="14" dur="500" fill="hold"/>
+                                        <p:tgtEl>
+                                          <p:spTgt spid="5">
+                                            <p:txEl>
+                                              <p:pRg st="1" end="1"/>
+                                            </p:txEl>
+                                          </p:spTgt>
                                         </p:tgtEl>
                                         <p:attrNameLst>
                                           <p:attrName>ppt_y</p:attrName>
@@ -5276,6 +4571,984 @@
 </p:sld>
 </file>
 
+<file path=ppt/slides/slide11.xml><?xml version="1.0" encoding="utf-8"?>
+<p:sld xmlns:a="http://schemas.openxmlformats.org/drawingml/2006/main" xmlns:r="http://schemas.openxmlformats.org/officeDocument/2006/relationships" xmlns:p="http://schemas.openxmlformats.org/presentationml/2006/main">
+  <p:cSld>
+    <p:spTree>
+      <p:nvGrpSpPr>
+        <p:cNvPr id="1" name=""/>
+        <p:cNvGrpSpPr/>
+        <p:nvPr/>
+      </p:nvGrpSpPr>
+      <p:grpSpPr>
+        <a:xfrm>
+          <a:off x="0" y="0"/>
+          <a:ext cx="0" cy="0"/>
+          <a:chOff x="0" y="0"/>
+          <a:chExt cx="0" cy="0"/>
+        </a:xfrm>
+      </p:grpSpPr>
+      <p:sp>
+        <p:nvSpPr>
+          <p:cNvPr id="2" name="标题 1"/>
+          <p:cNvSpPr>
+            <a:spLocks noGrp="1"/>
+          </p:cNvSpPr>
+          <p:nvPr>
+            <p:ph type="title"/>
+          </p:nvPr>
+        </p:nvSpPr>
+        <p:spPr>
+          <a:xfrm>
+            <a:off x="179512" y="188640"/>
+            <a:ext cx="8229600" cy="1066800"/>
+          </a:xfrm>
+        </p:spPr>
+        <p:txBody>
+          <a:bodyPr>
+            <a:normAutofit/>
+          </a:bodyPr>
+          <a:lstStyle/>
+          <a:p>
+            <a:r>
+              <a:rPr lang="en-US" altLang="zh-CN" dirty="0" smtClean="0"/>
+              <a:t>Agenda</a:t>
+            </a:r>
+            <a:endParaRPr lang="en-US" dirty="0"/>
+          </a:p>
+        </p:txBody>
+      </p:sp>
+      <p:sp>
+        <p:nvSpPr>
+          <p:cNvPr id="3" name="内容占位符 2"/>
+          <p:cNvSpPr>
+            <a:spLocks noGrp="1"/>
+          </p:cNvSpPr>
+          <p:nvPr>
+            <p:ph idx="1"/>
+          </p:nvPr>
+        </p:nvSpPr>
+        <p:spPr>
+          <a:xfrm>
+            <a:off x="1835696" y="1484784"/>
+            <a:ext cx="5338936" cy="3483832"/>
+          </a:xfrm>
+        </p:spPr>
+        <p:txBody>
+          <a:bodyPr/>
+          <a:lstStyle/>
+          <a:p>
+            <a:pPr>
+              <a:lnSpc>
+                <a:spcPct val="150000"/>
+              </a:lnSpc>
+            </a:pPr>
+            <a:r>
+              <a:rPr lang="en-US" dirty="0">
+                <a:solidFill>
+                  <a:schemeClr val="tx2">
+                    <a:lumMod val="40000"/>
+                    <a:lumOff val="60000"/>
+                  </a:schemeClr>
+                </a:solidFill>
+              </a:rPr>
+              <a:t>Design</a:t>
+            </a:r>
+          </a:p>
+          <a:p>
+            <a:pPr>
+              <a:lnSpc>
+                <a:spcPct val="150000"/>
+              </a:lnSpc>
+            </a:pPr>
+            <a:r>
+              <a:rPr lang="en-US" dirty="0">
+                <a:solidFill>
+                  <a:schemeClr val="tx2">
+                    <a:lumMod val="40000"/>
+                    <a:lumOff val="60000"/>
+                  </a:schemeClr>
+                </a:solidFill>
+              </a:rPr>
+              <a:t>Security Properties</a:t>
+            </a:r>
+          </a:p>
+          <a:p>
+            <a:pPr>
+              <a:lnSpc>
+                <a:spcPct val="150000"/>
+              </a:lnSpc>
+            </a:pPr>
+            <a:r>
+              <a:rPr lang="en-US" dirty="0"/>
+              <a:t>Implementation</a:t>
+            </a:r>
+          </a:p>
+          <a:p>
+            <a:pPr>
+              <a:lnSpc>
+                <a:spcPct val="150000"/>
+              </a:lnSpc>
+            </a:pPr>
+            <a:r>
+              <a:rPr lang="en-US" dirty="0" smtClean="0">
+                <a:solidFill>
+                  <a:schemeClr val="tx2">
+                    <a:lumMod val="40000"/>
+                    <a:lumOff val="60000"/>
+                  </a:schemeClr>
+                </a:solidFill>
+              </a:rPr>
+              <a:t>Source </a:t>
+            </a:r>
+            <a:r>
+              <a:rPr lang="en-US" dirty="0">
+                <a:solidFill>
+                  <a:schemeClr val="tx2">
+                    <a:lumMod val="40000"/>
+                    <a:lumOff val="60000"/>
+                  </a:schemeClr>
+                </a:solidFill>
+              </a:rPr>
+              <a:t>Code</a:t>
+            </a:r>
+          </a:p>
+          <a:p>
+            <a:pPr>
+              <a:lnSpc>
+                <a:spcPct val="150000"/>
+              </a:lnSpc>
+            </a:pPr>
+            <a:endParaRPr lang="en-US" dirty="0">
+              <a:solidFill>
+                <a:schemeClr val="tx2">
+                  <a:lumMod val="40000"/>
+                  <a:lumOff val="60000"/>
+                </a:schemeClr>
+              </a:solidFill>
+            </a:endParaRPr>
+          </a:p>
+        </p:txBody>
+      </p:sp>
+    </p:spTree>
+    <p:extLst>
+      <p:ext uri="{BB962C8B-B14F-4D97-AF65-F5344CB8AC3E}">
+        <p14:creationId xmlns:p14="http://schemas.microsoft.com/office/powerpoint/2010/main" val="1320094670"/>
+      </p:ext>
+    </p:extLst>
+  </p:cSld>
+  <p:clrMapOvr>
+    <a:masterClrMapping/>
+  </p:clrMapOvr>
+  <p:timing>
+    <p:tnLst>
+      <p:par>
+        <p:cTn id="1" dur="indefinite" restart="never" nodeType="tmRoot"/>
+      </p:par>
+    </p:tnLst>
+  </p:timing>
+</p:sld>
+</file>
+
+<file path=ppt/slides/slide12.xml><?xml version="1.0" encoding="utf-8"?>
+<p:sld xmlns:a="http://schemas.openxmlformats.org/drawingml/2006/main" xmlns:r="http://schemas.openxmlformats.org/officeDocument/2006/relationships" xmlns:p="http://schemas.openxmlformats.org/presentationml/2006/main">
+  <p:cSld>
+    <p:spTree>
+      <p:nvGrpSpPr>
+        <p:cNvPr id="1" name=""/>
+        <p:cNvGrpSpPr/>
+        <p:nvPr/>
+      </p:nvGrpSpPr>
+      <p:grpSpPr>
+        <a:xfrm>
+          <a:off x="0" y="0"/>
+          <a:ext cx="0" cy="0"/>
+          <a:chOff x="0" y="0"/>
+          <a:chExt cx="0" cy="0"/>
+        </a:xfrm>
+      </p:grpSpPr>
+      <p:sp>
+        <p:nvSpPr>
+          <p:cNvPr id="2" name="标题 1"/>
+          <p:cNvSpPr>
+            <a:spLocks noGrp="1"/>
+          </p:cNvSpPr>
+          <p:nvPr>
+            <p:ph type="title"/>
+          </p:nvPr>
+        </p:nvSpPr>
+        <p:spPr>
+          <a:xfrm>
+            <a:off x="179512" y="188640"/>
+            <a:ext cx="8229600" cy="1066800"/>
+          </a:xfrm>
+        </p:spPr>
+        <p:txBody>
+          <a:bodyPr>
+            <a:normAutofit/>
+          </a:bodyPr>
+          <a:lstStyle/>
+          <a:p>
+            <a:r>
+              <a:rPr lang="en-US" altLang="zh-CN" dirty="0" smtClean="0"/>
+              <a:t>Implementation</a:t>
+            </a:r>
+            <a:endParaRPr lang="en-US" dirty="0"/>
+          </a:p>
+        </p:txBody>
+      </p:sp>
+      <p:sp>
+        <p:nvSpPr>
+          <p:cNvPr id="5" name="内容占位符 4"/>
+          <p:cNvSpPr>
+            <a:spLocks noGrp="1"/>
+          </p:cNvSpPr>
+          <p:nvPr>
+            <p:ph idx="1"/>
+          </p:nvPr>
+        </p:nvSpPr>
+        <p:spPr>
+          <a:xfrm>
+            <a:off x="395536" y="1412776"/>
+            <a:ext cx="8373616" cy="4325112"/>
+          </a:xfrm>
+        </p:spPr>
+        <p:txBody>
+          <a:bodyPr>
+            <a:normAutofit/>
+          </a:bodyPr>
+          <a:lstStyle/>
+          <a:p>
+            <a:pPr>
+              <a:lnSpc>
+                <a:spcPct val="150000"/>
+              </a:lnSpc>
+            </a:pPr>
+            <a:r>
+              <a:rPr lang="en-US" dirty="0" smtClean="0"/>
+              <a:t>Google Map API V2</a:t>
+            </a:r>
+          </a:p>
+          <a:p>
+            <a:pPr lvl="1">
+              <a:lnSpc>
+                <a:spcPct val="150000"/>
+              </a:lnSpc>
+            </a:pPr>
+            <a:r>
+              <a:rPr lang="en-US" dirty="0" smtClean="0"/>
+              <a:t>Zero configuration</a:t>
+            </a:r>
+          </a:p>
+          <a:p>
+            <a:pPr lvl="1">
+              <a:lnSpc>
+                <a:spcPct val="150000"/>
+              </a:lnSpc>
+            </a:pPr>
+            <a:r>
+              <a:rPr lang="en-US" dirty="0" smtClean="0"/>
+              <a:t>One-click operation</a:t>
+            </a:r>
+          </a:p>
+          <a:p>
+            <a:pPr lvl="1">
+              <a:lnSpc>
+                <a:spcPct val="150000"/>
+              </a:lnSpc>
+            </a:pPr>
+            <a:r>
+              <a:rPr lang="en-US" dirty="0" smtClean="0"/>
+              <a:t>Target trace</a:t>
+            </a:r>
+          </a:p>
+          <a:p>
+            <a:pPr lvl="1">
+              <a:lnSpc>
+                <a:spcPct val="150000"/>
+              </a:lnSpc>
+            </a:pPr>
+            <a:r>
+              <a:rPr lang="en-US" dirty="0" smtClean="0"/>
+              <a:t>Online/offline </a:t>
+            </a:r>
+            <a:r>
+              <a:rPr lang="en-US" dirty="0" smtClean="0"/>
+              <a:t>notify</a:t>
+            </a:r>
+          </a:p>
+          <a:p>
+            <a:pPr lvl="1">
+              <a:lnSpc>
+                <a:spcPct val="150000"/>
+              </a:lnSpc>
+            </a:pPr>
+            <a:r>
+              <a:rPr lang="en-US" dirty="0" smtClean="0"/>
+              <a:t>Auto-installation of Tor</a:t>
+            </a:r>
+            <a:endParaRPr lang="en-US" dirty="0" smtClean="0"/>
+          </a:p>
+          <a:p>
+            <a:pPr>
+              <a:lnSpc>
+                <a:spcPct val="150000"/>
+              </a:lnSpc>
+            </a:pPr>
+            <a:endParaRPr lang="en-US" dirty="0"/>
+          </a:p>
+        </p:txBody>
+      </p:sp>
+      <p:pic>
+        <p:nvPicPr>
+          <p:cNvPr id="3" name="图片 2"/>
+          <p:cNvPicPr>
+            <a:picLocks noChangeAspect="1"/>
+          </p:cNvPicPr>
+          <p:nvPr/>
+        </p:nvPicPr>
+        <p:blipFill>
+          <a:blip r:embed="rId2" cstate="print">
+            <a:extLst>
+              <a:ext uri="{28A0092B-C50C-407E-A947-70E740481C1C}">
+                <a14:useLocalDpi xmlns:a14="http://schemas.microsoft.com/office/drawing/2010/main" val="0"/>
+              </a:ext>
+            </a:extLst>
+          </a:blip>
+          <a:stretch>
+            <a:fillRect/>
+          </a:stretch>
+        </p:blipFill>
+        <p:spPr>
+          <a:xfrm>
+            <a:off x="4860032" y="692696"/>
+            <a:ext cx="3346470" cy="5949280"/>
+          </a:xfrm>
+          <a:prstGeom prst="rect">
+            <a:avLst/>
+          </a:prstGeom>
+        </p:spPr>
+      </p:pic>
+    </p:spTree>
+    <p:extLst>
+      <p:ext uri="{BB962C8B-B14F-4D97-AF65-F5344CB8AC3E}">
+        <p14:creationId xmlns:p14="http://schemas.microsoft.com/office/powerpoint/2010/main" val="3694270427"/>
+      </p:ext>
+    </p:extLst>
+  </p:cSld>
+  <p:clrMapOvr>
+    <a:masterClrMapping/>
+  </p:clrMapOvr>
+  <p:timing>
+    <p:tnLst>
+      <p:par>
+        <p:cTn id="1" dur="indefinite" restart="never" nodeType="tmRoot"/>
+      </p:par>
+    </p:tnLst>
+  </p:timing>
+</p:sld>
+</file>
+
+<file path=ppt/slides/slide13.xml><?xml version="1.0" encoding="utf-8"?>
+<p:sld xmlns:a="http://schemas.openxmlformats.org/drawingml/2006/main" xmlns:r="http://schemas.openxmlformats.org/officeDocument/2006/relationships" xmlns:p="http://schemas.openxmlformats.org/presentationml/2006/main">
+  <p:cSld>
+    <p:spTree>
+      <p:nvGrpSpPr>
+        <p:cNvPr id="1" name=""/>
+        <p:cNvGrpSpPr/>
+        <p:nvPr/>
+      </p:nvGrpSpPr>
+      <p:grpSpPr>
+        <a:xfrm>
+          <a:off x="0" y="0"/>
+          <a:ext cx="0" cy="0"/>
+          <a:chOff x="0" y="0"/>
+          <a:chExt cx="0" cy="0"/>
+        </a:xfrm>
+      </p:grpSpPr>
+      <p:sp>
+        <p:nvSpPr>
+          <p:cNvPr id="2" name="标题 1"/>
+          <p:cNvSpPr>
+            <a:spLocks noGrp="1"/>
+          </p:cNvSpPr>
+          <p:nvPr>
+            <p:ph type="title"/>
+          </p:nvPr>
+        </p:nvSpPr>
+        <p:spPr>
+          <a:xfrm>
+            <a:off x="179512" y="188640"/>
+            <a:ext cx="8229600" cy="1066800"/>
+          </a:xfrm>
+        </p:spPr>
+        <p:txBody>
+          <a:bodyPr>
+            <a:normAutofit/>
+          </a:bodyPr>
+          <a:lstStyle/>
+          <a:p>
+            <a:r>
+              <a:rPr lang="en-US" altLang="zh-CN" dirty="0" smtClean="0"/>
+              <a:t>Implementation</a:t>
+            </a:r>
+            <a:endParaRPr lang="en-US" dirty="0"/>
+          </a:p>
+        </p:txBody>
+      </p:sp>
+      <p:sp>
+        <p:nvSpPr>
+          <p:cNvPr id="5" name="内容占位符 4"/>
+          <p:cNvSpPr>
+            <a:spLocks noGrp="1"/>
+          </p:cNvSpPr>
+          <p:nvPr>
+            <p:ph idx="1"/>
+          </p:nvPr>
+        </p:nvSpPr>
+        <p:spPr>
+          <a:xfrm>
+            <a:off x="395536" y="1412776"/>
+            <a:ext cx="8373616" cy="4325112"/>
+          </a:xfrm>
+        </p:spPr>
+        <p:txBody>
+          <a:bodyPr>
+            <a:normAutofit/>
+          </a:bodyPr>
+          <a:lstStyle/>
+          <a:p>
+            <a:pPr>
+              <a:lnSpc>
+                <a:spcPct val="150000"/>
+              </a:lnSpc>
+            </a:pPr>
+            <a:r>
+              <a:rPr lang="en-US" dirty="0"/>
+              <a:t>Auto-installation of Tor</a:t>
+            </a:r>
+          </a:p>
+          <a:p>
+            <a:pPr lvl="1">
+              <a:lnSpc>
+                <a:spcPct val="150000"/>
+              </a:lnSpc>
+            </a:pPr>
+            <a:r>
+              <a:rPr lang="en-US" dirty="0" err="1" smtClean="0"/>
+              <a:t>Orbot</a:t>
+            </a:r>
+            <a:r>
+              <a:rPr lang="en-US" dirty="0" smtClean="0"/>
+              <a:t> + </a:t>
+            </a:r>
+            <a:r>
+              <a:rPr lang="en-US" dirty="0" err="1" smtClean="0"/>
+              <a:t>Netcipher</a:t>
+            </a:r>
+            <a:endParaRPr lang="en-US" dirty="0" smtClean="0"/>
+          </a:p>
+          <a:p>
+            <a:pPr>
+              <a:lnSpc>
+                <a:spcPct val="150000"/>
+              </a:lnSpc>
+            </a:pPr>
+            <a:endParaRPr lang="en-US" dirty="0"/>
+          </a:p>
+        </p:txBody>
+      </p:sp>
+      <p:pic>
+        <p:nvPicPr>
+          <p:cNvPr id="2050" name="Picture 2" descr="C:\Users\Amos\Desktop\Screenshot_1490569970.png"/>
+          <p:cNvPicPr>
+            <a:picLocks noChangeAspect="1" noChangeArrowheads="1"/>
+          </p:cNvPicPr>
+          <p:nvPr/>
+        </p:nvPicPr>
+        <p:blipFill>
+          <a:blip r:embed="rId2" cstate="print">
+            <a:extLst>
+              <a:ext uri="{28A0092B-C50C-407E-A947-70E740481C1C}">
+                <a14:useLocalDpi xmlns:a14="http://schemas.microsoft.com/office/drawing/2010/main" val="0"/>
+              </a:ext>
+            </a:extLst>
+          </a:blip>
+          <a:srcRect/>
+          <a:stretch>
+            <a:fillRect/>
+          </a:stretch>
+        </p:blipFill>
+        <p:spPr bwMode="auto">
+          <a:xfrm>
+            <a:off x="4788024" y="732712"/>
+            <a:ext cx="3166450" cy="5629244"/>
+          </a:xfrm>
+          <a:prstGeom prst="rect">
+            <a:avLst/>
+          </a:prstGeom>
+          <a:noFill/>
+          <a:extLst>
+            <a:ext uri="{909E8E84-426E-40DD-AFC4-6F175D3DCCD1}">
+              <a14:hiddenFill xmlns:a14="http://schemas.microsoft.com/office/drawing/2010/main">
+                <a:solidFill>
+                  <a:srgbClr val="FFFFFF"/>
+                </a:solidFill>
+              </a14:hiddenFill>
+            </a:ext>
+          </a:extLst>
+        </p:spPr>
+      </p:pic>
+      <p:pic>
+        <p:nvPicPr>
+          <p:cNvPr id="4" name="图片 3"/>
+          <p:cNvPicPr>
+            <a:picLocks noChangeAspect="1"/>
+          </p:cNvPicPr>
+          <p:nvPr/>
+        </p:nvPicPr>
+        <p:blipFill>
+          <a:blip r:embed="rId3" cstate="print">
+            <a:extLst>
+              <a:ext uri="{28A0092B-C50C-407E-A947-70E740481C1C}">
+                <a14:useLocalDpi xmlns:a14="http://schemas.microsoft.com/office/drawing/2010/main" val="0"/>
+              </a:ext>
+            </a:extLst>
+          </a:blip>
+          <a:stretch>
+            <a:fillRect/>
+          </a:stretch>
+        </p:blipFill>
+        <p:spPr>
+          <a:xfrm>
+            <a:off x="4788024" y="732712"/>
+            <a:ext cx="3103443" cy="5517232"/>
+          </a:xfrm>
+          <a:prstGeom prst="rect">
+            <a:avLst/>
+          </a:prstGeom>
+        </p:spPr>
+      </p:pic>
+      <p:pic>
+        <p:nvPicPr>
+          <p:cNvPr id="6" name="图片 5"/>
+          <p:cNvPicPr>
+            <a:picLocks noChangeAspect="1"/>
+          </p:cNvPicPr>
+          <p:nvPr/>
+        </p:nvPicPr>
+        <p:blipFill>
+          <a:blip r:embed="rId4" cstate="print">
+            <a:extLst>
+              <a:ext uri="{28A0092B-C50C-407E-A947-70E740481C1C}">
+                <a14:useLocalDpi xmlns:a14="http://schemas.microsoft.com/office/drawing/2010/main" val="0"/>
+              </a:ext>
+            </a:extLst>
+          </a:blip>
+          <a:stretch>
+            <a:fillRect/>
+          </a:stretch>
+        </p:blipFill>
+        <p:spPr>
+          <a:xfrm>
+            <a:off x="4810526" y="696708"/>
+            <a:ext cx="3143948" cy="5589240"/>
+          </a:xfrm>
+          <a:prstGeom prst="rect">
+            <a:avLst/>
+          </a:prstGeom>
+        </p:spPr>
+      </p:pic>
+    </p:spTree>
+    <p:extLst>
+      <p:ext uri="{BB962C8B-B14F-4D97-AF65-F5344CB8AC3E}">
+        <p14:creationId xmlns:p14="http://schemas.microsoft.com/office/powerpoint/2010/main" val="556125637"/>
+      </p:ext>
+    </p:extLst>
+  </p:cSld>
+  <p:clrMapOvr>
+    <a:masterClrMapping/>
+  </p:clrMapOvr>
+  <p:timing>
+    <p:tnLst>
+      <p:par>
+        <p:cTn id="1" dur="indefinite" restart="never" nodeType="tmRoot">
+          <p:childTnLst>
+            <p:seq concurrent="1" nextAc="seek">
+              <p:cTn id="2" dur="indefinite" nodeType="mainSeq">
+                <p:childTnLst>
+                  <p:par>
+                    <p:cTn id="3" fill="hold">
+                      <p:stCondLst>
+                        <p:cond delay="indefinite"/>
+                      </p:stCondLst>
+                      <p:childTnLst>
+                        <p:par>
+                          <p:cTn id="4" fill="hold">
+                            <p:stCondLst>
+                              <p:cond delay="0"/>
+                            </p:stCondLst>
+                            <p:childTnLst>
+                              <p:par>
+                                <p:cTn id="5" presetID="2" presetClass="entr" presetSubtype="4" fill="hold" nodeType="clickEffect">
+                                  <p:stCondLst>
+                                    <p:cond delay="0"/>
+                                  </p:stCondLst>
+                                  <p:childTnLst>
+                                    <p:set>
+                                      <p:cBhvr>
+                                        <p:cTn id="6" dur="1" fill="hold">
+                                          <p:stCondLst>
+                                            <p:cond delay="0"/>
+                                          </p:stCondLst>
+                                        </p:cTn>
+                                        <p:tgtEl>
+                                          <p:spTgt spid="4"/>
+                                        </p:tgtEl>
+                                        <p:attrNameLst>
+                                          <p:attrName>style.visibility</p:attrName>
+                                        </p:attrNameLst>
+                                      </p:cBhvr>
+                                      <p:to>
+                                        <p:strVal val="visible"/>
+                                      </p:to>
+                                    </p:set>
+                                    <p:anim calcmode="lin" valueType="num">
+                                      <p:cBhvr additive="base">
+                                        <p:cTn id="7" dur="500" fill="hold"/>
+                                        <p:tgtEl>
+                                          <p:spTgt spid="4"/>
+                                        </p:tgtEl>
+                                        <p:attrNameLst>
+                                          <p:attrName>ppt_x</p:attrName>
+                                        </p:attrNameLst>
+                                      </p:cBhvr>
+                                      <p:tavLst>
+                                        <p:tav tm="0">
+                                          <p:val>
+                                            <p:strVal val="#ppt_x"/>
+                                          </p:val>
+                                        </p:tav>
+                                        <p:tav tm="100000">
+                                          <p:val>
+                                            <p:strVal val="#ppt_x"/>
+                                          </p:val>
+                                        </p:tav>
+                                      </p:tavLst>
+                                    </p:anim>
+                                    <p:anim calcmode="lin" valueType="num">
+                                      <p:cBhvr additive="base">
+                                        <p:cTn id="8" dur="500" fill="hold"/>
+                                        <p:tgtEl>
+                                          <p:spTgt spid="4"/>
+                                        </p:tgtEl>
+                                        <p:attrNameLst>
+                                          <p:attrName>ppt_y</p:attrName>
+                                        </p:attrNameLst>
+                                      </p:cBhvr>
+                                      <p:tavLst>
+                                        <p:tav tm="0">
+                                          <p:val>
+                                            <p:strVal val="1+#ppt_h/2"/>
+                                          </p:val>
+                                        </p:tav>
+                                        <p:tav tm="100000">
+                                          <p:val>
+                                            <p:strVal val="#ppt_y"/>
+                                          </p:val>
+                                        </p:tav>
+                                      </p:tavLst>
+                                    </p:anim>
+                                  </p:childTnLst>
+                                </p:cTn>
+                              </p:par>
+                            </p:childTnLst>
+                          </p:cTn>
+                        </p:par>
+                      </p:childTnLst>
+                    </p:cTn>
+                  </p:par>
+                  <p:par>
+                    <p:cTn id="9" fill="hold">
+                      <p:stCondLst>
+                        <p:cond delay="indefinite"/>
+                      </p:stCondLst>
+                      <p:childTnLst>
+                        <p:par>
+                          <p:cTn id="10" fill="hold">
+                            <p:stCondLst>
+                              <p:cond delay="0"/>
+                            </p:stCondLst>
+                            <p:childTnLst>
+                              <p:par>
+                                <p:cTn id="11" presetID="2" presetClass="entr" presetSubtype="4" fill="hold" nodeType="clickEffect">
+                                  <p:stCondLst>
+                                    <p:cond delay="0"/>
+                                  </p:stCondLst>
+                                  <p:childTnLst>
+                                    <p:set>
+                                      <p:cBhvr>
+                                        <p:cTn id="12" dur="1" fill="hold">
+                                          <p:stCondLst>
+                                            <p:cond delay="0"/>
+                                          </p:stCondLst>
+                                        </p:cTn>
+                                        <p:tgtEl>
+                                          <p:spTgt spid="6"/>
+                                        </p:tgtEl>
+                                        <p:attrNameLst>
+                                          <p:attrName>style.visibility</p:attrName>
+                                        </p:attrNameLst>
+                                      </p:cBhvr>
+                                      <p:to>
+                                        <p:strVal val="visible"/>
+                                      </p:to>
+                                    </p:set>
+                                    <p:anim calcmode="lin" valueType="num">
+                                      <p:cBhvr additive="base">
+                                        <p:cTn id="13" dur="500" fill="hold"/>
+                                        <p:tgtEl>
+                                          <p:spTgt spid="6"/>
+                                        </p:tgtEl>
+                                        <p:attrNameLst>
+                                          <p:attrName>ppt_x</p:attrName>
+                                        </p:attrNameLst>
+                                      </p:cBhvr>
+                                      <p:tavLst>
+                                        <p:tav tm="0">
+                                          <p:val>
+                                            <p:strVal val="#ppt_x"/>
+                                          </p:val>
+                                        </p:tav>
+                                        <p:tav tm="100000">
+                                          <p:val>
+                                            <p:strVal val="#ppt_x"/>
+                                          </p:val>
+                                        </p:tav>
+                                      </p:tavLst>
+                                    </p:anim>
+                                    <p:anim calcmode="lin" valueType="num">
+                                      <p:cBhvr additive="base">
+                                        <p:cTn id="14" dur="500" fill="hold"/>
+                                        <p:tgtEl>
+                                          <p:spTgt spid="6"/>
+                                        </p:tgtEl>
+                                        <p:attrNameLst>
+                                          <p:attrName>ppt_y</p:attrName>
+                                        </p:attrNameLst>
+                                      </p:cBhvr>
+                                      <p:tavLst>
+                                        <p:tav tm="0">
+                                          <p:val>
+                                            <p:strVal val="1+#ppt_h/2"/>
+                                          </p:val>
+                                        </p:tav>
+                                        <p:tav tm="100000">
+                                          <p:val>
+                                            <p:strVal val="#ppt_y"/>
+                                          </p:val>
+                                        </p:tav>
+                                      </p:tavLst>
+                                    </p:anim>
+                                  </p:childTnLst>
+                                </p:cTn>
+                              </p:par>
+                            </p:childTnLst>
+                          </p:cTn>
+                        </p:par>
+                      </p:childTnLst>
+                    </p:cTn>
+                  </p:par>
+                </p:childTnLst>
+              </p:cTn>
+              <p:prevCondLst>
+                <p:cond evt="onPrev" delay="0">
+                  <p:tgtEl>
+                    <p:sldTgt/>
+                  </p:tgtEl>
+                </p:cond>
+              </p:prevCondLst>
+              <p:nextCondLst>
+                <p:cond evt="onNext" delay="0">
+                  <p:tgtEl>
+                    <p:sldTgt/>
+                  </p:tgtEl>
+                </p:cond>
+              </p:nextCondLst>
+            </p:seq>
+          </p:childTnLst>
+        </p:cTn>
+      </p:par>
+    </p:tnLst>
+  </p:timing>
+</p:sld>
+</file>
+
+<file path=ppt/slides/slide14.xml><?xml version="1.0" encoding="utf-8"?>
+<p:sld xmlns:a="http://schemas.openxmlformats.org/drawingml/2006/main" xmlns:r="http://schemas.openxmlformats.org/officeDocument/2006/relationships" xmlns:p="http://schemas.openxmlformats.org/presentationml/2006/main">
+  <p:cSld>
+    <p:spTree>
+      <p:nvGrpSpPr>
+        <p:cNvPr id="1" name=""/>
+        <p:cNvGrpSpPr/>
+        <p:nvPr/>
+      </p:nvGrpSpPr>
+      <p:grpSpPr>
+        <a:xfrm>
+          <a:off x="0" y="0"/>
+          <a:ext cx="0" cy="0"/>
+          <a:chOff x="0" y="0"/>
+          <a:chExt cx="0" cy="0"/>
+        </a:xfrm>
+      </p:grpSpPr>
+      <p:sp>
+        <p:nvSpPr>
+          <p:cNvPr id="2" name="标题 1"/>
+          <p:cNvSpPr>
+            <a:spLocks noGrp="1"/>
+          </p:cNvSpPr>
+          <p:nvPr>
+            <p:ph type="title"/>
+          </p:nvPr>
+        </p:nvSpPr>
+        <p:spPr>
+          <a:xfrm>
+            <a:off x="179512" y="188640"/>
+            <a:ext cx="8229600" cy="1066800"/>
+          </a:xfrm>
+        </p:spPr>
+        <p:txBody>
+          <a:bodyPr>
+            <a:normAutofit/>
+          </a:bodyPr>
+          <a:lstStyle/>
+          <a:p>
+            <a:r>
+              <a:rPr lang="en-US" altLang="zh-CN" dirty="0" smtClean="0"/>
+              <a:t>Agenda</a:t>
+            </a:r>
+            <a:endParaRPr lang="en-US" dirty="0"/>
+          </a:p>
+        </p:txBody>
+      </p:sp>
+      <p:sp>
+        <p:nvSpPr>
+          <p:cNvPr id="3" name="内容占位符 2"/>
+          <p:cNvSpPr>
+            <a:spLocks noGrp="1"/>
+          </p:cNvSpPr>
+          <p:nvPr>
+            <p:ph idx="1"/>
+          </p:nvPr>
+        </p:nvSpPr>
+        <p:spPr>
+          <a:xfrm>
+            <a:off x="1835696" y="1484784"/>
+            <a:ext cx="5338936" cy="3483832"/>
+          </a:xfrm>
+        </p:spPr>
+        <p:txBody>
+          <a:bodyPr/>
+          <a:lstStyle/>
+          <a:p>
+            <a:pPr>
+              <a:lnSpc>
+                <a:spcPct val="150000"/>
+              </a:lnSpc>
+            </a:pPr>
+            <a:r>
+              <a:rPr lang="en-US" dirty="0">
+                <a:solidFill>
+                  <a:schemeClr val="tx2">
+                    <a:lumMod val="40000"/>
+                    <a:lumOff val="60000"/>
+                  </a:schemeClr>
+                </a:solidFill>
+              </a:rPr>
+              <a:t>Design</a:t>
+            </a:r>
+          </a:p>
+          <a:p>
+            <a:pPr>
+              <a:lnSpc>
+                <a:spcPct val="150000"/>
+              </a:lnSpc>
+            </a:pPr>
+            <a:r>
+              <a:rPr lang="en-US" dirty="0">
+                <a:solidFill>
+                  <a:schemeClr val="tx2">
+                    <a:lumMod val="40000"/>
+                    <a:lumOff val="60000"/>
+                  </a:schemeClr>
+                </a:solidFill>
+              </a:rPr>
+              <a:t>Security Properties</a:t>
+            </a:r>
+          </a:p>
+          <a:p>
+            <a:pPr>
+              <a:lnSpc>
+                <a:spcPct val="150000"/>
+              </a:lnSpc>
+            </a:pPr>
+            <a:r>
+              <a:rPr lang="en-US" dirty="0">
+                <a:solidFill>
+                  <a:schemeClr val="tx2">
+                    <a:lumMod val="40000"/>
+                    <a:lumOff val="60000"/>
+                  </a:schemeClr>
+                </a:solidFill>
+              </a:rPr>
+              <a:t>Implementation</a:t>
+            </a:r>
+          </a:p>
+          <a:p>
+            <a:pPr>
+              <a:lnSpc>
+                <a:spcPct val="150000"/>
+              </a:lnSpc>
+            </a:pPr>
+            <a:r>
+              <a:rPr lang="en-US" dirty="0" smtClean="0"/>
+              <a:t>Source </a:t>
+            </a:r>
+            <a:r>
+              <a:rPr lang="en-US" dirty="0"/>
+              <a:t>Code</a:t>
+            </a:r>
+          </a:p>
+          <a:p>
+            <a:pPr>
+              <a:lnSpc>
+                <a:spcPct val="150000"/>
+              </a:lnSpc>
+            </a:pPr>
+            <a:endParaRPr lang="en-US" dirty="0"/>
+          </a:p>
+        </p:txBody>
+      </p:sp>
+    </p:spTree>
+    <p:extLst>
+      <p:ext uri="{BB962C8B-B14F-4D97-AF65-F5344CB8AC3E}">
+        <p14:creationId xmlns:p14="http://schemas.microsoft.com/office/powerpoint/2010/main" val="1694007823"/>
+      </p:ext>
+    </p:extLst>
+  </p:cSld>
+  <p:clrMapOvr>
+    <a:masterClrMapping/>
+  </p:clrMapOvr>
+  <p:timing>
+    <p:tnLst>
+      <p:par>
+        <p:cTn id="1" dur="indefinite" restart="never" nodeType="tmRoot"/>
+      </p:par>
+    </p:tnLst>
+  </p:timing>
+</p:sld>
+</file>
+
 <file path=ppt/slides/slide15.xml><?xml version="1.0" encoding="utf-8"?>
 <p:sld xmlns:a="http://schemas.openxmlformats.org/drawingml/2006/main" xmlns:r="http://schemas.openxmlformats.org/officeDocument/2006/relationships" xmlns:p="http://schemas.openxmlformats.org/presentationml/2006/main">
   <p:cSld>
@@ -5315,10 +5588,152 @@
           </a:bodyPr>
           <a:lstStyle/>
           <a:p>
+            <a:r>
+              <a:rPr lang="en-US" dirty="0" smtClean="0"/>
+              <a:t>Source Code</a:t>
+            </a:r>
             <a:endParaRPr lang="en-US" dirty="0"/>
           </a:p>
         </p:txBody>
       </p:sp>
+      <p:sp>
+        <p:nvSpPr>
+          <p:cNvPr id="5" name="内容占位符 4"/>
+          <p:cNvSpPr>
+            <a:spLocks noGrp="1"/>
+          </p:cNvSpPr>
+          <p:nvPr>
+            <p:ph idx="1"/>
+          </p:nvPr>
+        </p:nvSpPr>
+        <p:spPr>
+          <a:xfrm>
+            <a:off x="395536" y="1412776"/>
+            <a:ext cx="8373616" cy="4325112"/>
+          </a:xfrm>
+        </p:spPr>
+        <p:txBody>
+          <a:bodyPr>
+            <a:normAutofit/>
+          </a:bodyPr>
+          <a:lstStyle/>
+          <a:p>
+            <a:pPr>
+              <a:lnSpc>
+                <a:spcPct val="150000"/>
+              </a:lnSpc>
+            </a:pPr>
+            <a:r>
+              <a:rPr lang="en-US" dirty="0" smtClean="0"/>
+              <a:t>FollowMe2</a:t>
+            </a:r>
+          </a:p>
+          <a:p>
+            <a:pPr lvl="1">
+              <a:lnSpc>
+                <a:spcPct val="150000"/>
+              </a:lnSpc>
+            </a:pPr>
+            <a:r>
+              <a:rPr lang="en-US" dirty="0">
+                <a:hlinkClick r:id="rId2"/>
+              </a:rPr>
+              <a:t>https://</a:t>
+            </a:r>
+            <a:r>
+              <a:rPr lang="en-US" dirty="0" smtClean="0">
+                <a:hlinkClick r:id="rId2"/>
+              </a:rPr>
+              <a:t>github.com/amosfu/FollowMe2</a:t>
+            </a:r>
+            <a:endParaRPr lang="en-US" dirty="0" smtClean="0"/>
+          </a:p>
+          <a:p>
+            <a:pPr>
+              <a:lnSpc>
+                <a:spcPct val="150000"/>
+              </a:lnSpc>
+            </a:pPr>
+            <a:r>
+              <a:rPr lang="en-US" dirty="0" smtClean="0"/>
+              <a:t>Whiteboard2</a:t>
+            </a:r>
+          </a:p>
+          <a:p>
+            <a:pPr lvl="1">
+              <a:lnSpc>
+                <a:spcPct val="150000"/>
+              </a:lnSpc>
+            </a:pPr>
+            <a:r>
+              <a:rPr lang="en-US" dirty="0">
+                <a:hlinkClick r:id="rId3"/>
+              </a:rPr>
+              <a:t>https://</a:t>
+            </a:r>
+            <a:r>
+              <a:rPr lang="en-US" dirty="0" smtClean="0">
+                <a:hlinkClick r:id="rId3"/>
+              </a:rPr>
+              <a:t>github.com/amosfu/whiteboard2</a:t>
+            </a:r>
+            <a:endParaRPr lang="en-US" dirty="0" smtClean="0"/>
+          </a:p>
+          <a:p>
+            <a:pPr lvl="1">
+              <a:lnSpc>
+                <a:spcPct val="150000"/>
+              </a:lnSpc>
+            </a:pPr>
+            <a:endParaRPr lang="en-US" dirty="0" smtClean="0"/>
+          </a:p>
+          <a:p>
+            <a:pPr>
+              <a:lnSpc>
+                <a:spcPct val="150000"/>
+              </a:lnSpc>
+            </a:pPr>
+            <a:endParaRPr lang="en-US" dirty="0"/>
+          </a:p>
+        </p:txBody>
+      </p:sp>
+    </p:spTree>
+    <p:extLst>
+      <p:ext uri="{BB962C8B-B14F-4D97-AF65-F5344CB8AC3E}">
+        <p14:creationId xmlns:p14="http://schemas.microsoft.com/office/powerpoint/2010/main" val="3398904430"/>
+      </p:ext>
+    </p:extLst>
+  </p:cSld>
+  <p:clrMapOvr>
+    <a:masterClrMapping/>
+  </p:clrMapOvr>
+  <p:timing>
+    <p:tnLst>
+      <p:par>
+        <p:cTn id="1" dur="indefinite" restart="never" nodeType="tmRoot"/>
+      </p:par>
+    </p:tnLst>
+  </p:timing>
+</p:sld>
+</file>
+
+<file path=ppt/slides/slide16.xml><?xml version="1.0" encoding="utf-8"?>
+<p:sld xmlns:a="http://schemas.openxmlformats.org/drawingml/2006/main" xmlns:r="http://schemas.openxmlformats.org/officeDocument/2006/relationships" xmlns:p="http://schemas.openxmlformats.org/presentationml/2006/main">
+  <p:cSld>
+    <p:spTree>
+      <p:nvGrpSpPr>
+        <p:cNvPr id="1" name=""/>
+        <p:cNvGrpSpPr/>
+        <p:nvPr/>
+      </p:nvGrpSpPr>
+      <p:grpSpPr>
+        <a:xfrm>
+          <a:off x="0" y="0"/>
+          <a:ext cx="0" cy="0"/>
+          <a:chOff x="0" y="0"/>
+          <a:chExt cx="0" cy="0"/>
+        </a:xfrm>
+      </p:grpSpPr>
       <p:sp>
         <p:nvSpPr>
           <p:cNvPr id="4" name="内容占位符 3"/>
@@ -5466,14 +5881,6 @@
               </a:rPr>
               <a:t>Security Properties</a:t>
             </a:r>
-            <a:endParaRPr lang="en-US" dirty="0" smtClean="0">
-              <a:solidFill>
-                <a:schemeClr val="tx2">
-                  <a:lumMod val="40000"/>
-                  <a:lumOff val="60000"/>
-                </a:schemeClr>
-              </a:solidFill>
-            </a:endParaRPr>
           </a:p>
           <a:p>
             <a:pPr>
@@ -5508,16 +5915,19 @@
                   </a:schemeClr>
                 </a:solidFill>
               </a:rPr>
-              <a:t>Problem</a:t>
-            </a:r>
-            <a:endParaRPr lang="en-US" dirty="0" smtClean="0">
-              <a:solidFill>
-                <a:schemeClr val="tx2">
-                  <a:lumMod val="40000"/>
-                  <a:lumOff val="60000"/>
-                </a:schemeClr>
-              </a:solidFill>
-            </a:endParaRPr>
+              <a:t>Source </a:t>
+            </a:r>
+            <a:r>
+              <a:rPr lang="en-US" dirty="0" smtClean="0">
+                <a:solidFill>
+                  <a:schemeClr val="tx2">
+                    <a:lumMod val="40000"/>
+                    <a:lumOff val="60000"/>
+                  </a:schemeClr>
+                </a:solidFill>
+              </a:rPr>
+              <a:t>Code</a:t>
+            </a:r>
           </a:p>
         </p:txBody>
       </p:sp>
@@ -5590,7 +6000,7 @@
       </p:sp>
       <p:pic>
         <p:nvPicPr>
-          <p:cNvPr id="9" name="图片 8"/>
+          <p:cNvPr id="5" name="图片 4"/>
           <p:cNvPicPr>
             <a:picLocks noChangeAspect="1"/>
           </p:cNvPicPr>
@@ -5610,12 +6020,53 @@
         </p:blipFill>
         <p:spPr>
           <a:xfrm>
-            <a:off x="971600" y="949910"/>
-            <a:ext cx="7467884" cy="5908090"/>
+            <a:off x="971600" y="974850"/>
+            <a:ext cx="7681626" cy="5883150"/>
           </a:xfrm>
           <a:prstGeom prst="rect">
             <a:avLst/>
           </a:prstGeom>
+        </p:spPr>
+      </p:pic>
+      <p:pic>
+        <p:nvPicPr>
+          <p:cNvPr id="1026" name="Picture 2" descr="https://upload.wikimedia.org/wikipedia/commons/thumb/1/15/Tor-logo-2011-flat.svg/1280px-Tor-logo-2011-flat.svg.png"/>
+          <p:cNvPicPr>
+            <a:picLocks noChangeAspect="1" noChangeArrowheads="1"/>
+          </p:cNvPicPr>
+          <p:nvPr/>
+        </p:nvPicPr>
+        <p:blipFill>
+          <a:blip r:embed="rId3" cstate="print">
+            <a:extLst>
+              <a:ext uri="{28A0092B-C50C-407E-A947-70E740481C1C}">
+                <a14:useLocalDpi xmlns:a14="http://schemas.microsoft.com/office/drawing/2010/main" val="0"/>
+              </a:ext>
+            </a:extLst>
+          </a:blip>
+          <a:srcRect/>
+          <a:stretch>
+            <a:fillRect/>
+          </a:stretch>
+        </p:blipFill>
+        <p:spPr bwMode="auto">
+          <a:xfrm>
+            <a:off x="2123728" y="2204864"/>
+            <a:ext cx="4644236" cy="2808312"/>
+          </a:xfrm>
+          <a:prstGeom prst="rect">
+            <a:avLst/>
+          </a:prstGeom>
+          <a:noFill/>
+          <a:extLst>
+            <a:ext uri="{909E8E84-426E-40DD-AFC4-6F175D3DCCD1}">
+              <a14:hiddenFill xmlns:a14="http://schemas.microsoft.com/office/drawing/2010/main">
+                <a:solidFill>
+                  <a:srgbClr val="FFFFFF"/>
+                </a:solidFill>
+              </a14:hiddenFill>
+            </a:ext>
+          </a:extLst>
         </p:spPr>
       </p:pic>
     </p:spTree>
@@ -5631,7 +6082,83 @@
   <p:timing>
     <p:tnLst>
       <p:par>
-        <p:cTn id="1" dur="indefinite" restart="never" nodeType="tmRoot"/>
+        <p:cTn id="1" dur="indefinite" restart="never" nodeType="tmRoot">
+          <p:childTnLst>
+            <p:seq concurrent="1" nextAc="seek">
+              <p:cTn id="2" dur="indefinite" nodeType="mainSeq">
+                <p:childTnLst>
+                  <p:par>
+                    <p:cTn id="3" fill="hold">
+                      <p:stCondLst>
+                        <p:cond delay="indefinite"/>
+                      </p:stCondLst>
+                      <p:childTnLst>
+                        <p:par>
+                          <p:cTn id="4" fill="hold">
+                            <p:stCondLst>
+                              <p:cond delay="0"/>
+                            </p:stCondLst>
+                            <p:childTnLst>
+                              <p:par>
+                                <p:cTn id="5" presetID="10" presetClass="entr" presetSubtype="0" fill="hold" nodeType="clickEffect">
+                                  <p:stCondLst>
+                                    <p:cond delay="0"/>
+                                  </p:stCondLst>
+                                  <p:childTnLst>
+                                    <p:set>
+                                      <p:cBhvr>
+                                        <p:cTn id="6" dur="1" fill="hold">
+                                          <p:stCondLst>
+                                            <p:cond delay="0"/>
+                                          </p:stCondLst>
+                                        </p:cTn>
+                                        <p:tgtEl>
+                                          <p:spTgt spid="1026"/>
+                                        </p:tgtEl>
+                                        <p:attrNameLst>
+                                          <p:attrName>style.visibility</p:attrName>
+                                        </p:attrNameLst>
+                                      </p:cBhvr>
+                                      <p:to>
+                                        <p:strVal val="visible"/>
+                                      </p:to>
+                                    </p:set>
+                                    <p:animEffect transition="in" filter="fade">
+                                      <p:cBhvr>
+                                        <p:cTn id="7" dur="500"/>
+                                        <p:tgtEl>
+                                          <p:spTgt spid="1026"/>
+                                        </p:tgtEl>
+                                      </p:cBhvr>
+                                    </p:animEffect>
+                                  </p:childTnLst>
+                                </p:cTn>
+                              </p:par>
+                            </p:childTnLst>
+                          </p:cTn>
+                        </p:par>
+                      </p:childTnLst>
+                    </p:cTn>
+                  </p:par>
+                </p:childTnLst>
+              </p:cTn>
+              <p:prevCondLst>
+                <p:cond evt="onPrev" delay="0">
+                  <p:tgtEl>
+                    <p:sldTgt/>
+                  </p:tgtEl>
+                </p:cond>
+              </p:prevCondLst>
+              <p:nextCondLst>
+                <p:cond evt="onNext" delay="0">
+                  <p:tgtEl>
+                    <p:sldTgt/>
+                  </p:tgtEl>
+                </p:cond>
+              </p:nextCondLst>
+            </p:seq>
+          </p:childTnLst>
+        </p:cTn>
       </p:par>
     </p:tnLst>
   </p:timing>
@@ -6374,6 +6901,17 @@
               </a:lnSpc>
             </a:pPr>
             <a:r>
+              <a:rPr lang="en-US" dirty="0" smtClean="0">
+                <a:solidFill>
+                  <a:schemeClr val="tx2">
+                    <a:lumMod val="40000"/>
+                    <a:lumOff val="60000"/>
+                  </a:schemeClr>
+                </a:solidFill>
+              </a:rPr>
+              <a:t>Source </a:t>
+            </a:r>
+            <a:r>
               <a:rPr lang="en-US" dirty="0">
                 <a:solidFill>
                   <a:schemeClr val="tx2">
@@ -6382,8 +6920,23 @@
                   </a:schemeClr>
                 </a:solidFill>
               </a:rPr>
-              <a:t>Problem</a:t>
-            </a:r>
+              <a:t>Code</a:t>
+            </a:r>
+          </a:p>
+          <a:p>
+            <a:pPr>
+              <a:lnSpc>
+                <a:spcPct val="150000"/>
+              </a:lnSpc>
+            </a:pPr>
+            <a:endParaRPr lang="en-US" dirty="0">
+              <a:solidFill>
+                <a:schemeClr val="tx2">
+                  <a:lumMod val="40000"/>
+                  <a:lumOff val="60000"/>
+                </a:schemeClr>
+              </a:solidFill>
+            </a:endParaRPr>
           </a:p>
         </p:txBody>
       </p:sp>
@@ -6555,10 +7108,6 @@
             <a:r>
               <a:rPr lang="en-US" dirty="0" smtClean="0"/>
               <a:t>Tor </a:t>
-            </a:r>
-            <a:r>
-              <a:rPr lang="en-US" b="1" dirty="0" smtClean="0"/>
-              <a:t>?</a:t>
             </a:r>
             <a:endParaRPr lang="en-US" b="1" dirty="0"/>
           </a:p>
@@ -7638,7 +8187,7 @@
       </p:sp>
       <p:pic>
         <p:nvPicPr>
-          <p:cNvPr id="3075" name="Picture 3"/>
+          <p:cNvPr id="3076" name="Picture 4"/>
           <p:cNvPicPr>
             <a:picLocks noChangeAspect="1" noChangeArrowheads="1"/>
           </p:cNvPicPr>
@@ -7659,8 +8208,8 @@
         </p:blipFill>
         <p:spPr bwMode="auto">
           <a:xfrm>
-            <a:off x="2987824" y="2708920"/>
-            <a:ext cx="2686050" cy="2352675"/>
+            <a:off x="251520" y="4653136"/>
+            <a:ext cx="8772525" cy="904875"/>
           </a:xfrm>
           <a:prstGeom prst="rect">
             <a:avLst/>
@@ -7692,7 +8241,7 @@
       </p:pic>
       <p:pic>
         <p:nvPicPr>
-          <p:cNvPr id="3076" name="Picture 4"/>
+          <p:cNvPr id="1026" name="Picture 2"/>
           <p:cNvPicPr>
             <a:picLocks noChangeAspect="1" noChangeArrowheads="1"/>
           </p:cNvPicPr>
@@ -7713,8 +8262,8 @@
         </p:blipFill>
         <p:spPr bwMode="auto">
           <a:xfrm>
-            <a:off x="251518" y="5229200"/>
-            <a:ext cx="8772525" cy="904875"/>
+            <a:off x="6084168" y="102944"/>
+            <a:ext cx="2533650" cy="2276475"/>
           </a:xfrm>
           <a:prstGeom prst="rect">
             <a:avLst/>
@@ -7994,7 +8543,7 @@
                                           </p:stCondLst>
                                         </p:cTn>
                                         <p:tgtEl>
-                                          <p:spTgt spid="3075"/>
+                                          <p:spTgt spid="1026"/>
                                         </p:tgtEl>
                                         <p:attrNameLst>
                                           <p:attrName>style.visibility</p:attrName>
@@ -8008,7 +8557,7 @@
                                       <p:cBhvr additive="base">
                                         <p:cTn id="19" dur="500" fill="hold"/>
                                         <p:tgtEl>
-                                          <p:spTgt spid="3075"/>
+                                          <p:spTgt spid="1026"/>
                                         </p:tgtEl>
                                         <p:attrNameLst>
                                           <p:attrName>ppt_x</p:attrName>
@@ -8031,7 +8580,7 @@
                                       <p:cBhvr additive="base">
                                         <p:cTn id="20" dur="500" fill="hold"/>
                                         <p:tgtEl>
-                                          <p:spTgt spid="3075"/>
+                                          <p:spTgt spid="1026"/>
                                         </p:tgtEl>
                                         <p:attrNameLst>
                                           <p:attrName>ppt_y</p:attrName>
@@ -8072,16 +8621,42 @@
                             </p:stCondLst>
                             <p:childTnLst>
                               <p:par>
-                                <p:cTn id="23" presetID="2" presetClass="exit" presetSubtype="4" fill="hold" nodeType="clickEffect">
+                                <p:cTn id="23" presetID="2" presetClass="entr" presetSubtype="4" fill="hold" nodeType="clickEffect">
                                   <p:stCondLst>
                                     <p:cond delay="0"/>
                                   </p:stCondLst>
                                   <p:childTnLst>
+                                    <p:set>
+                                      <p:cBhvr>
+                                        <p:cTn id="24" dur="1" fill="hold">
+                                          <p:stCondLst>
+                                            <p:cond delay="0"/>
+                                          </p:stCondLst>
+                                        </p:cTn>
+                                        <p:tgtEl>
+                                          <p:spTgt spid="5">
+                                            <p:txEl>
+                                              <p:pRg st="2" end="2"/>
+                                            </p:txEl>
+                                          </p:spTgt>
+                                        </p:tgtEl>
+                                        <p:attrNameLst>
+                                          <p:attrName>style.visibility</p:attrName>
+                                        </p:attrNameLst>
+                                      </p:cBhvr>
+                                      <p:to>
+                                        <p:strVal val="visible"/>
+                                      </p:to>
+                                    </p:set>
                                     <p:anim calcmode="lin" valueType="num">
                                       <p:cBhvr additive="base">
-                                        <p:cTn id="24" dur="500"/>
+                                        <p:cTn id="25" dur="500" fill="hold"/>
                                         <p:tgtEl>
-                                          <p:spTgt spid="3075"/>
+                                          <p:spTgt spid="5">
+                                            <p:txEl>
+                                              <p:pRg st="2" end="2"/>
+                                            </p:txEl>
+                                          </p:spTgt>
                                         </p:tgtEl>
                                         <p:attrNameLst>
                                           <p:attrName>ppt_x</p:attrName>
@@ -8090,21 +8665,25 @@
                                       <p:tavLst>
                                         <p:tav tm="0">
                                           <p:val>
-                                            <p:strVal val="ppt_x"/>
+                                            <p:strVal val="#ppt_x"/>
                                           </p:val>
                                         </p:tav>
                                         <p:tav tm="100000">
                                           <p:val>
-                                            <p:strVal val="ppt_x"/>
+                                            <p:strVal val="#ppt_x"/>
                                           </p:val>
                                         </p:tav>
                                       </p:tavLst>
                                     </p:anim>
                                     <p:anim calcmode="lin" valueType="num">
                                       <p:cBhvr additive="base">
-                                        <p:cTn id="25" dur="500"/>
+                                        <p:cTn id="26" dur="500" fill="hold"/>
                                         <p:tgtEl>
-                                          <p:spTgt spid="3075"/>
+                                          <p:spTgt spid="5">
+                                            <p:txEl>
+                                              <p:pRg st="2" end="2"/>
+                                            </p:txEl>
+                                          </p:spTgt>
                                         </p:tgtEl>
                                         <p:attrNameLst>
                                           <p:attrName>ppt_y</p:attrName>
@@ -8113,34 +8692,16 @@
                                       <p:tavLst>
                                         <p:tav tm="0">
                                           <p:val>
-                                            <p:strVal val="ppt_y"/>
+                                            <p:strVal val="1+#ppt_h/2"/>
                                           </p:val>
                                         </p:tav>
                                         <p:tav tm="100000">
                                           <p:val>
-                                            <p:strVal val="1+ppt_h/2"/>
+                                            <p:strVal val="#ppt_y"/>
                                           </p:val>
                                         </p:tav>
                                       </p:tavLst>
                                     </p:anim>
-                                    <p:set>
-                                      <p:cBhvr>
-                                        <p:cTn id="26" dur="1" fill="hold">
-                                          <p:stCondLst>
-                                            <p:cond delay="499"/>
-                                          </p:stCondLst>
-                                        </p:cTn>
-                                        <p:tgtEl>
-                                          <p:spTgt spid="3075"/>
-                                        </p:tgtEl>
-                                        <p:attrNameLst>
-                                          <p:attrName>style.visibility</p:attrName>
-                                        </p:attrNameLst>
-                                      </p:cBhvr>
-                                      <p:to>
-                                        <p:strVal val="hidden"/>
-                                      </p:to>
-                                    </p:set>
                                   </p:childTnLst>
                                 </p:cTn>
                               </p:par>
@@ -8178,7 +8739,7 @@
                                         <p:tgtEl>
                                           <p:spTgt spid="5">
                                             <p:txEl>
-                                              <p:pRg st="2" end="2"/>
+                                              <p:pRg st="3" end="3"/>
                                             </p:txEl>
                                           </p:spTgt>
                                         </p:tgtEl>
@@ -8193,109 +8754,6 @@
                                     <p:anim calcmode="lin" valueType="num">
                                       <p:cBhvr additive="base">
                                         <p:cTn id="31" dur="500" fill="hold"/>
-                                        <p:tgtEl>
-                                          <p:spTgt spid="5">
-                                            <p:txEl>
-                                              <p:pRg st="2" end="2"/>
-                                            </p:txEl>
-                                          </p:spTgt>
-                                        </p:tgtEl>
-                                        <p:attrNameLst>
-                                          <p:attrName>ppt_x</p:attrName>
-                                        </p:attrNameLst>
-                                      </p:cBhvr>
-                                      <p:tavLst>
-                                        <p:tav tm="0">
-                                          <p:val>
-                                            <p:strVal val="#ppt_x"/>
-                                          </p:val>
-                                        </p:tav>
-                                        <p:tav tm="100000">
-                                          <p:val>
-                                            <p:strVal val="#ppt_x"/>
-                                          </p:val>
-                                        </p:tav>
-                                      </p:tavLst>
-                                    </p:anim>
-                                    <p:anim calcmode="lin" valueType="num">
-                                      <p:cBhvr additive="base">
-                                        <p:cTn id="32" dur="500" fill="hold"/>
-                                        <p:tgtEl>
-                                          <p:spTgt spid="5">
-                                            <p:txEl>
-                                              <p:pRg st="2" end="2"/>
-                                            </p:txEl>
-                                          </p:spTgt>
-                                        </p:tgtEl>
-                                        <p:attrNameLst>
-                                          <p:attrName>ppt_y</p:attrName>
-                                        </p:attrNameLst>
-                                      </p:cBhvr>
-                                      <p:tavLst>
-                                        <p:tav tm="0">
-                                          <p:val>
-                                            <p:strVal val="1+#ppt_h/2"/>
-                                          </p:val>
-                                        </p:tav>
-                                        <p:tav tm="100000">
-                                          <p:val>
-                                            <p:strVal val="#ppt_y"/>
-                                          </p:val>
-                                        </p:tav>
-                                      </p:tavLst>
-                                    </p:anim>
-                                  </p:childTnLst>
-                                </p:cTn>
-                              </p:par>
-                            </p:childTnLst>
-                          </p:cTn>
-                        </p:par>
-                      </p:childTnLst>
-                    </p:cTn>
-                  </p:par>
-                  <p:par>
-                    <p:cTn id="33" fill="hold">
-                      <p:stCondLst>
-                        <p:cond delay="indefinite"/>
-                      </p:stCondLst>
-                      <p:childTnLst>
-                        <p:par>
-                          <p:cTn id="34" fill="hold">
-                            <p:stCondLst>
-                              <p:cond delay="0"/>
-                            </p:stCondLst>
-                            <p:childTnLst>
-                              <p:par>
-                                <p:cTn id="35" presetID="2" presetClass="entr" presetSubtype="4" fill="hold" nodeType="clickEffect">
-                                  <p:stCondLst>
-                                    <p:cond delay="0"/>
-                                  </p:stCondLst>
-                                  <p:childTnLst>
-                                    <p:set>
-                                      <p:cBhvr>
-                                        <p:cTn id="36" dur="1" fill="hold">
-                                          <p:stCondLst>
-                                            <p:cond delay="0"/>
-                                          </p:stCondLst>
-                                        </p:cTn>
-                                        <p:tgtEl>
-                                          <p:spTgt spid="5">
-                                            <p:txEl>
-                                              <p:pRg st="3" end="3"/>
-                                            </p:txEl>
-                                          </p:spTgt>
-                                        </p:tgtEl>
-                                        <p:attrNameLst>
-                                          <p:attrName>style.visibility</p:attrName>
-                                        </p:attrNameLst>
-                                      </p:cBhvr>
-                                      <p:to>
-                                        <p:strVal val="visible"/>
-                                      </p:to>
-                                    </p:set>
-                                    <p:anim calcmode="lin" valueType="num">
-                                      <p:cBhvr additive="base">
-                                        <p:cTn id="37" dur="500" fill="hold"/>
                                         <p:tgtEl>
                                           <p:spTgt spid="5">
                                             <p:txEl>
@@ -8322,7 +8780,7 @@
                                     </p:anim>
                                     <p:anim calcmode="lin" valueType="num">
                                       <p:cBhvr additive="base">
-                                        <p:cTn id="38" dur="500" fill="hold"/>
+                                        <p:cTn id="32" dur="500" fill="hold"/>
                                         <p:tgtEl>
                                           <p:spTgt spid="5">
                                             <p:txEl>
@@ -8351,14 +8809,14 @@
                                 </p:cTn>
                               </p:par>
                               <p:par>
-                                <p:cTn id="39" presetID="2" presetClass="entr" presetSubtype="4" fill="hold" nodeType="withEffect">
+                                <p:cTn id="33" presetID="2" presetClass="entr" presetSubtype="4" fill="hold" nodeType="withEffect">
                                   <p:stCondLst>
                                     <p:cond delay="0"/>
                                   </p:stCondLst>
                                   <p:childTnLst>
                                     <p:set>
                                       <p:cBhvr>
-                                        <p:cTn id="40" dur="1" fill="hold">
+                                        <p:cTn id="34" dur="1" fill="hold">
                                           <p:stCondLst>
                                             <p:cond delay="0"/>
                                           </p:stCondLst>
@@ -8380,7 +8838,7 @@
                                     </p:set>
                                     <p:anim calcmode="lin" valueType="num">
                                       <p:cBhvr additive="base">
-                                        <p:cTn id="41" dur="500" fill="hold"/>
+                                        <p:cTn id="35" dur="500" fill="hold"/>
                                         <p:tgtEl>
                                           <p:spTgt spid="5">
                                             <p:txEl>
@@ -8407,7 +8865,7 @@
                                     </p:anim>
                                     <p:anim calcmode="lin" valueType="num">
                                       <p:cBhvr additive="base">
-                                        <p:cTn id="42" dur="500" fill="hold"/>
+                                        <p:cTn id="36" dur="500" fill="hold"/>
                                         <p:tgtEl>
                                           <p:spTgt spid="5">
                                             <p:txEl>
@@ -8442,26 +8900,26 @@
                     </p:cTn>
                   </p:par>
                   <p:par>
-                    <p:cTn id="43" fill="hold">
+                    <p:cTn id="37" fill="hold">
                       <p:stCondLst>
                         <p:cond delay="indefinite"/>
                       </p:stCondLst>
                       <p:childTnLst>
                         <p:par>
-                          <p:cTn id="44" fill="hold">
+                          <p:cTn id="38" fill="hold">
                             <p:stCondLst>
                               <p:cond delay="0"/>
                             </p:stCondLst>
                             <p:childTnLst>
                               <p:par>
-                                <p:cTn id="45" presetID="2" presetClass="entr" presetSubtype="4" fill="hold" nodeType="clickEffect">
+                                <p:cTn id="39" presetID="2" presetClass="entr" presetSubtype="4" fill="hold" nodeType="clickEffect">
                                   <p:stCondLst>
                                     <p:cond delay="0"/>
                                   </p:stCondLst>
                                   <p:childTnLst>
                                     <p:set>
                                       <p:cBhvr>
-                                        <p:cTn id="46" dur="1" fill="hold">
+                                        <p:cTn id="40" dur="1" fill="hold">
                                           <p:stCondLst>
                                             <p:cond delay="0"/>
                                           </p:stCondLst>
@@ -8479,7 +8937,7 @@
                                     </p:set>
                                     <p:anim calcmode="lin" valueType="num">
                                       <p:cBhvr additive="base">
-                                        <p:cTn id="47" dur="500" fill="hold"/>
+                                        <p:cTn id="41" dur="500" fill="hold"/>
                                         <p:tgtEl>
                                           <p:spTgt spid="3076"/>
                                         </p:tgtEl>
@@ -8502,7 +8960,7 @@
                                     </p:anim>
                                     <p:anim calcmode="lin" valueType="num">
                                       <p:cBhvr additive="base">
-                                        <p:cTn id="48" dur="500" fill="hold"/>
+                                        <p:cTn id="42" dur="500" fill="hold"/>
                                         <p:tgtEl>
                                           <p:spTgt spid="3076"/>
                                         </p:tgtEl>
